--- a/KTGK_63133615/KTGK_63133615.pptx
+++ b/KTGK_63133615/KTGK_63133615.pptx
@@ -105,6 +105,11 @@
       </a:defRPr>
     </a:lvl9pPr>
   </p:defaultTextStyle>
+  <p:extLst>
+    <p:ext uri="{EFAFB233-063F-42B5-8137-9DF3F51BA10A}">
+      <p15:sldGuideLst xmlns:p15="http://schemas.microsoft.com/office/powerpoint/2012/main"/>
+    </p:ext>
+  </p:extLst>
 </p:presentation>
 </file>
 
@@ -3567,6 +3572,170 @@
           <a:chExt cx="0" cy="0"/>
         </a:xfrm>
       </p:grpSpPr>
+      <p:pic>
+        <p:nvPicPr>
+          <p:cNvPr id="3" name="Picture 2">
+            <a:extLst>
+              <a:ext uri="{FF2B5EF4-FFF2-40B4-BE49-F238E27FC236}">
+                <a16:creationId xmlns:a16="http://schemas.microsoft.com/office/drawing/2014/main" id="{01ECDBDB-8773-587B-FD16-5BB45459ADA3}"/>
+              </a:ext>
+            </a:extLst>
+          </p:cNvPr>
+          <p:cNvPicPr>
+            <a:picLocks noChangeAspect="1"/>
+          </p:cNvPicPr>
+          <p:nvPr/>
+        </p:nvPicPr>
+        <p:blipFill>
+          <a:blip r:embed="rId2"/>
+          <a:stretch>
+            <a:fillRect/>
+          </a:stretch>
+        </p:blipFill>
+        <p:spPr>
+          <a:xfrm>
+            <a:off x="505335" y="1128391"/>
+            <a:ext cx="6335009" cy="4601217"/>
+          </a:xfrm>
+          <a:prstGeom prst="rect">
+            <a:avLst/>
+          </a:prstGeom>
+        </p:spPr>
+      </p:pic>
+      <p:sp>
+        <p:nvSpPr>
+          <p:cNvPr id="4" name="TextBox 3">
+            <a:extLst>
+              <a:ext uri="{FF2B5EF4-FFF2-40B4-BE49-F238E27FC236}">
+                <a16:creationId xmlns:a16="http://schemas.microsoft.com/office/drawing/2014/main" id="{752403B0-6FAB-D244-5348-F034813B8FB3}"/>
+              </a:ext>
+            </a:extLst>
+          </p:cNvPr>
+          <p:cNvSpPr txBox="1"/>
+          <p:nvPr/>
+        </p:nvSpPr>
+        <p:spPr>
+          <a:xfrm>
+            <a:off x="7699248" y="1033272"/>
+            <a:ext cx="3803904" cy="3970318"/>
+          </a:xfrm>
+          <a:prstGeom prst="rect">
+            <a:avLst/>
+          </a:prstGeom>
+          <a:noFill/>
+        </p:spPr>
+        <p:txBody>
+          <a:bodyPr wrap="square" rtlCol="0">
+            <a:spAutoFit/>
+          </a:bodyPr>
+          <a:lstStyle/>
+          <a:p>
+            <a:pPr marL="457200" indent="-457200">
+              <a:buFont typeface="Arial" panose="020B0604020202020204" pitchFamily="34" charset="0"/>
+              <a:buChar char="•"/>
+            </a:pPr>
+            <a:r>
+              <a:rPr lang="en-US" sz="2800" b="1">
+                <a:solidFill>
+                  <a:schemeClr val="bg1"/>
+                </a:solidFill>
+              </a:rPr>
+              <a:t>Giao diện của cửa sổ đăng nhập và có vị trí nằm giữa màn hình FullHD</a:t>
+            </a:r>
+          </a:p>
+          <a:p>
+            <a:pPr marL="457200" indent="-457200">
+              <a:buFont typeface="Arial" panose="020B0604020202020204" pitchFamily="34" charset="0"/>
+              <a:buChar char="•"/>
+            </a:pPr>
+            <a:r>
+              <a:rPr lang="en-US" sz="2800" b="1">
+                <a:solidFill>
+                  <a:schemeClr val="bg1"/>
+                </a:solidFill>
+              </a:rPr>
+              <a:t>Các cài là this.setLocation(x,y)</a:t>
+            </a:r>
+          </a:p>
+          <a:p>
+            <a:pPr marL="457200" indent="-457200">
+              <a:buFont typeface="Arial" panose="020B0604020202020204" pitchFamily="34" charset="0"/>
+              <a:buChar char="•"/>
+            </a:pPr>
+            <a:r>
+              <a:rPr lang="en-US" sz="2800" b="1">
+                <a:solidFill>
+                  <a:schemeClr val="bg1"/>
+                </a:solidFill>
+              </a:rPr>
+              <a:t>Trong đó x,y được tính từ công thức sau</a:t>
+            </a:r>
+            <a:endParaRPr lang="vi-VN" sz="2800" b="1">
+              <a:solidFill>
+                <a:schemeClr val="bg1"/>
+              </a:solidFill>
+            </a:endParaRPr>
+          </a:p>
+        </p:txBody>
+      </p:sp>
+      <p:sp>
+        <p:nvSpPr>
+          <p:cNvPr id="6" name="TextBox 5">
+            <a:extLst>
+              <a:ext uri="{FF2B5EF4-FFF2-40B4-BE49-F238E27FC236}">
+                <a16:creationId xmlns:a16="http://schemas.microsoft.com/office/drawing/2014/main" id="{7501985B-83A1-844E-0CD5-4697E5BE549D}"/>
+              </a:ext>
+            </a:extLst>
+          </p:cNvPr>
+          <p:cNvSpPr txBox="1"/>
+          <p:nvPr/>
+        </p:nvSpPr>
+        <p:spPr>
+          <a:xfrm>
+            <a:off x="7582662" y="5129443"/>
+            <a:ext cx="4267962" cy="1200329"/>
+          </a:xfrm>
+          <a:prstGeom prst="rect">
+            <a:avLst/>
+          </a:prstGeom>
+          <a:noFill/>
+          <a:ln w="28575">
+            <a:solidFill>
+              <a:schemeClr val="tx1"/>
+            </a:solidFill>
+          </a:ln>
+        </p:spPr>
+        <p:txBody>
+          <a:bodyPr wrap="square">
+            <a:spAutoFit/>
+          </a:bodyPr>
+          <a:lstStyle/>
+          <a:p>
+            <a:r>
+              <a:rPr lang="vi-VN" b="0">
+                <a:solidFill>
+                  <a:schemeClr val="bg1"/>
+                </a:solidFill>
+                <a:effectLst/>
+                <a:latin typeface="+mj-lt"/>
+              </a:rPr>
+              <a:t>- Tọa độ x của cửa sổ= (chiều rộng của màn hình  -  chiều rộng của cửa sổ) / 2</a:t>
+            </a:r>
+          </a:p>
+          <a:p>
+            <a:r>
+              <a:rPr lang="vi-VN" b="0">
+                <a:solidFill>
+                  <a:schemeClr val="bg1"/>
+                </a:solidFill>
+                <a:effectLst/>
+                <a:latin typeface="+mj-lt"/>
+              </a:rPr>
+              <a:t>- Tọa độ y của cửa sổ= (chiều dài của màn hình  -  chiều dài của cửa sổ) / 2</a:t>
+            </a:r>
+          </a:p>
+        </p:txBody>
+      </p:sp>
     </p:spTree>
     <p:extLst>
       <p:ext uri="{BB962C8B-B14F-4D97-AF65-F5344CB8AC3E}">
@@ -3577,13 +3746,13 @@
   <p:clrMapOvr>
     <a:masterClrMapping/>
   </p:clrMapOvr>
-  <mc:AlternateContent xmlns:mc="http://schemas.openxmlformats.org/markup-compatibility/2006">
-    <mc:Choice xmlns:p159="http://schemas.microsoft.com/office/powerpoint/2015/09/main" Requires="p159">
+  <mc:AlternateContent xmlns:mc="http://schemas.openxmlformats.org/markup-compatibility/2006" xmlns:p159="http://schemas.microsoft.com/office/powerpoint/2015/09/main">
+    <mc:Choice Requires="p159">
       <p:transition xmlns:p14="http://schemas.microsoft.com/office/powerpoint/2010/main" spd="slow" p14:dur="2000">
         <p159:morph option="byObject"/>
       </p:transition>
     </mc:Choice>
-    <mc:Fallback>
+    <mc:Fallback xmlns="">
       <p:transition spd="slow">
         <p:fade/>
       </p:transition>

--- a/KTGK_63133615/KTGK_63133615.pptx
+++ b/KTGK_63133615/KTGK_63133615.pptx
@@ -6,7 +6,18 @@
   </p:sldMasterIdLst>
   <p:sldIdLst>
     <p:sldId id="256" r:id="rId2"/>
-    <p:sldId id="257" r:id="rId3"/>
+    <p:sldId id="269" r:id="rId3"/>
+    <p:sldId id="257" r:id="rId4"/>
+    <p:sldId id="258" r:id="rId5"/>
+    <p:sldId id="259" r:id="rId6"/>
+    <p:sldId id="260" r:id="rId7"/>
+    <p:sldId id="261" r:id="rId8"/>
+    <p:sldId id="262" r:id="rId9"/>
+    <p:sldId id="263" r:id="rId10"/>
+    <p:sldId id="265" r:id="rId11"/>
+    <p:sldId id="266" r:id="rId12"/>
+    <p:sldId id="267" r:id="rId13"/>
+    <p:sldId id="268" r:id="rId14"/>
   </p:sldIdLst>
   <p:sldSz cx="12192000" cy="6858000"/>
   <p:notesSz cx="6858000" cy="9144000"/>
@@ -262,7 +273,7 @@
           <a:p>
             <a:fld id="{BEB63FF6-9169-4DC8-9D4D-F5C32EAA2AE5}" type="datetimeFigureOut">
               <a:rPr lang="vi-VN" smtClean="0"/>
-              <a:t>23/03/2024</a:t>
+              <a:t>24/03/2024</a:t>
             </a:fld>
             <a:endParaRPr lang="vi-VN"/>
           </a:p>
@@ -332,6 +343,18 @@
   <p:clrMapOvr>
     <a:masterClrMapping/>
   </p:clrMapOvr>
+  <mc:AlternateContent xmlns:mc="http://schemas.openxmlformats.org/markup-compatibility/2006">
+    <mc:Choice xmlns:p159="http://schemas.microsoft.com/office/powerpoint/2015/09/main" Requires="p159">
+      <p:transition spd="slow">
+        <p159:morph option="byObject"/>
+      </p:transition>
+    </mc:Choice>
+    <mc:Fallback>
+      <p:transition spd="slow">
+        <p:fade/>
+      </p:transition>
+    </mc:Fallback>
+  </mc:AlternateContent>
 </p:sldLayout>
 </file>
 
@@ -462,7 +485,7 @@
           <a:p>
             <a:fld id="{BEB63FF6-9169-4DC8-9D4D-F5C32EAA2AE5}" type="datetimeFigureOut">
               <a:rPr lang="vi-VN" smtClean="0"/>
-              <a:t>23/03/2024</a:t>
+              <a:t>24/03/2024</a:t>
             </a:fld>
             <a:endParaRPr lang="vi-VN"/>
           </a:p>
@@ -532,6 +555,18 @@
   <p:clrMapOvr>
     <a:masterClrMapping/>
   </p:clrMapOvr>
+  <mc:AlternateContent xmlns:mc="http://schemas.openxmlformats.org/markup-compatibility/2006">
+    <mc:Choice xmlns:p159="http://schemas.microsoft.com/office/powerpoint/2015/09/main" Requires="p159">
+      <p:transition spd="slow">
+        <p159:morph option="byObject"/>
+      </p:transition>
+    </mc:Choice>
+    <mc:Fallback>
+      <p:transition spd="slow">
+        <p:fade/>
+      </p:transition>
+    </mc:Fallback>
+  </mc:AlternateContent>
 </p:sldLayout>
 </file>
 
@@ -672,7 +707,7 @@
           <a:p>
             <a:fld id="{BEB63FF6-9169-4DC8-9D4D-F5C32EAA2AE5}" type="datetimeFigureOut">
               <a:rPr lang="vi-VN" smtClean="0"/>
-              <a:t>23/03/2024</a:t>
+              <a:t>24/03/2024</a:t>
             </a:fld>
             <a:endParaRPr lang="vi-VN"/>
           </a:p>
@@ -742,6 +777,18 @@
   <p:clrMapOvr>
     <a:masterClrMapping/>
   </p:clrMapOvr>
+  <mc:AlternateContent xmlns:mc="http://schemas.openxmlformats.org/markup-compatibility/2006">
+    <mc:Choice xmlns:p159="http://schemas.microsoft.com/office/powerpoint/2015/09/main" Requires="p159">
+      <p:transition spd="slow">
+        <p159:morph option="byObject"/>
+      </p:transition>
+    </mc:Choice>
+    <mc:Fallback>
+      <p:transition spd="slow">
+        <p:fade/>
+      </p:transition>
+    </mc:Fallback>
+  </mc:AlternateContent>
 </p:sldLayout>
 </file>
 
@@ -872,7 +919,7 @@
           <a:p>
             <a:fld id="{BEB63FF6-9169-4DC8-9D4D-F5C32EAA2AE5}" type="datetimeFigureOut">
               <a:rPr lang="vi-VN" smtClean="0"/>
-              <a:t>23/03/2024</a:t>
+              <a:t>24/03/2024</a:t>
             </a:fld>
             <a:endParaRPr lang="vi-VN"/>
           </a:p>
@@ -942,6 +989,18 @@
   <p:clrMapOvr>
     <a:masterClrMapping/>
   </p:clrMapOvr>
+  <mc:AlternateContent xmlns:mc="http://schemas.openxmlformats.org/markup-compatibility/2006">
+    <mc:Choice xmlns:p159="http://schemas.microsoft.com/office/powerpoint/2015/09/main" Requires="p159">
+      <p:transition spd="slow">
+        <p159:morph option="byObject"/>
+      </p:transition>
+    </mc:Choice>
+    <mc:Fallback>
+      <p:transition spd="slow">
+        <p:fade/>
+      </p:transition>
+    </mc:Fallback>
+  </mc:AlternateContent>
 </p:sldLayout>
 </file>
 
@@ -1148,7 +1207,7 @@
           <a:p>
             <a:fld id="{BEB63FF6-9169-4DC8-9D4D-F5C32EAA2AE5}" type="datetimeFigureOut">
               <a:rPr lang="vi-VN" smtClean="0"/>
-              <a:t>23/03/2024</a:t>
+              <a:t>24/03/2024</a:t>
             </a:fld>
             <a:endParaRPr lang="vi-VN"/>
           </a:p>
@@ -1218,6 +1277,18 @@
   <p:clrMapOvr>
     <a:masterClrMapping/>
   </p:clrMapOvr>
+  <mc:AlternateContent xmlns:mc="http://schemas.openxmlformats.org/markup-compatibility/2006">
+    <mc:Choice xmlns:p159="http://schemas.microsoft.com/office/powerpoint/2015/09/main" Requires="p159">
+      <p:transition spd="slow">
+        <p159:morph option="byObject"/>
+      </p:transition>
+    </mc:Choice>
+    <mc:Fallback>
+      <p:transition spd="slow">
+        <p:fade/>
+      </p:transition>
+    </mc:Fallback>
+  </mc:AlternateContent>
 </p:sldLayout>
 </file>
 
@@ -1416,7 +1487,7 @@
           <a:p>
             <a:fld id="{BEB63FF6-9169-4DC8-9D4D-F5C32EAA2AE5}" type="datetimeFigureOut">
               <a:rPr lang="vi-VN" smtClean="0"/>
-              <a:t>23/03/2024</a:t>
+              <a:t>24/03/2024</a:t>
             </a:fld>
             <a:endParaRPr lang="vi-VN"/>
           </a:p>
@@ -1486,6 +1557,18 @@
   <p:clrMapOvr>
     <a:masterClrMapping/>
   </p:clrMapOvr>
+  <mc:AlternateContent xmlns:mc="http://schemas.openxmlformats.org/markup-compatibility/2006">
+    <mc:Choice xmlns:p159="http://schemas.microsoft.com/office/powerpoint/2015/09/main" Requires="p159">
+      <p:transition spd="slow">
+        <p159:morph option="byObject"/>
+      </p:transition>
+    </mc:Choice>
+    <mc:Fallback>
+      <p:transition spd="slow">
+        <p:fade/>
+      </p:transition>
+    </mc:Fallback>
+  </mc:AlternateContent>
 </p:sldLayout>
 </file>
 
@@ -1831,7 +1914,7 @@
           <a:p>
             <a:fld id="{BEB63FF6-9169-4DC8-9D4D-F5C32EAA2AE5}" type="datetimeFigureOut">
               <a:rPr lang="vi-VN" smtClean="0"/>
-              <a:t>23/03/2024</a:t>
+              <a:t>24/03/2024</a:t>
             </a:fld>
             <a:endParaRPr lang="vi-VN"/>
           </a:p>
@@ -1901,6 +1984,18 @@
   <p:clrMapOvr>
     <a:masterClrMapping/>
   </p:clrMapOvr>
+  <mc:AlternateContent xmlns:mc="http://schemas.openxmlformats.org/markup-compatibility/2006">
+    <mc:Choice xmlns:p159="http://schemas.microsoft.com/office/powerpoint/2015/09/main" Requires="p159">
+      <p:transition spd="slow">
+        <p159:morph option="byObject"/>
+      </p:transition>
+    </mc:Choice>
+    <mc:Fallback>
+      <p:transition spd="slow">
+        <p:fade/>
+      </p:transition>
+    </mc:Fallback>
+  </mc:AlternateContent>
 </p:sldLayout>
 </file>
 
@@ -1973,7 +2068,7 @@
           <a:p>
             <a:fld id="{BEB63FF6-9169-4DC8-9D4D-F5C32EAA2AE5}" type="datetimeFigureOut">
               <a:rPr lang="vi-VN" smtClean="0"/>
-              <a:t>23/03/2024</a:t>
+              <a:t>24/03/2024</a:t>
             </a:fld>
             <a:endParaRPr lang="vi-VN"/>
           </a:p>
@@ -2043,6 +2138,18 @@
   <p:clrMapOvr>
     <a:masterClrMapping/>
   </p:clrMapOvr>
+  <mc:AlternateContent xmlns:mc="http://schemas.openxmlformats.org/markup-compatibility/2006">
+    <mc:Choice xmlns:p159="http://schemas.microsoft.com/office/powerpoint/2015/09/main" Requires="p159">
+      <p:transition spd="slow">
+        <p159:morph option="byObject"/>
+      </p:transition>
+    </mc:Choice>
+    <mc:Fallback>
+      <p:transition spd="slow">
+        <p:fade/>
+      </p:transition>
+    </mc:Fallback>
+  </mc:AlternateContent>
 </p:sldLayout>
 </file>
 
@@ -2086,7 +2193,7 @@
           <a:p>
             <a:fld id="{BEB63FF6-9169-4DC8-9D4D-F5C32EAA2AE5}" type="datetimeFigureOut">
               <a:rPr lang="vi-VN" smtClean="0"/>
-              <a:t>23/03/2024</a:t>
+              <a:t>24/03/2024</a:t>
             </a:fld>
             <a:endParaRPr lang="vi-VN"/>
           </a:p>
@@ -2156,6 +2263,18 @@
   <p:clrMapOvr>
     <a:masterClrMapping/>
   </p:clrMapOvr>
+  <mc:AlternateContent xmlns:mc="http://schemas.openxmlformats.org/markup-compatibility/2006">
+    <mc:Choice xmlns:p159="http://schemas.microsoft.com/office/powerpoint/2015/09/main" Requires="p159">
+      <p:transition spd="slow">
+        <p159:morph option="byObject"/>
+      </p:transition>
+    </mc:Choice>
+    <mc:Fallback>
+      <p:transition spd="slow">
+        <p:fade/>
+      </p:transition>
+    </mc:Fallback>
+  </mc:AlternateContent>
 </p:sldLayout>
 </file>
 
@@ -2399,7 +2518,7 @@
           <a:p>
             <a:fld id="{BEB63FF6-9169-4DC8-9D4D-F5C32EAA2AE5}" type="datetimeFigureOut">
               <a:rPr lang="vi-VN" smtClean="0"/>
-              <a:t>23/03/2024</a:t>
+              <a:t>24/03/2024</a:t>
             </a:fld>
             <a:endParaRPr lang="vi-VN"/>
           </a:p>
@@ -2469,6 +2588,18 @@
   <p:clrMapOvr>
     <a:masterClrMapping/>
   </p:clrMapOvr>
+  <mc:AlternateContent xmlns:mc="http://schemas.openxmlformats.org/markup-compatibility/2006">
+    <mc:Choice xmlns:p159="http://schemas.microsoft.com/office/powerpoint/2015/09/main" Requires="p159">
+      <p:transition spd="slow">
+        <p159:morph option="byObject"/>
+      </p:transition>
+    </mc:Choice>
+    <mc:Fallback>
+      <p:transition spd="slow">
+        <p:fade/>
+      </p:transition>
+    </mc:Fallback>
+  </mc:AlternateContent>
 </p:sldLayout>
 </file>
 
@@ -2688,7 +2819,7 @@
           <a:p>
             <a:fld id="{BEB63FF6-9169-4DC8-9D4D-F5C32EAA2AE5}" type="datetimeFigureOut">
               <a:rPr lang="vi-VN" smtClean="0"/>
-              <a:t>23/03/2024</a:t>
+              <a:t>24/03/2024</a:t>
             </a:fld>
             <a:endParaRPr lang="vi-VN"/>
           </a:p>
@@ -2758,6 +2889,18 @@
   <p:clrMapOvr>
     <a:masterClrMapping/>
   </p:clrMapOvr>
+  <mc:AlternateContent xmlns:mc="http://schemas.openxmlformats.org/markup-compatibility/2006">
+    <mc:Choice xmlns:p159="http://schemas.microsoft.com/office/powerpoint/2015/09/main" Requires="p159">
+      <p:transition spd="slow">
+        <p159:morph option="byObject"/>
+      </p:transition>
+    </mc:Choice>
+    <mc:Fallback>
+      <p:transition spd="slow">
+        <p:fade/>
+      </p:transition>
+    </mc:Fallback>
+  </mc:AlternateContent>
 </p:sldLayout>
 </file>
 
@@ -2931,7 +3074,7 @@
           <a:p>
             <a:fld id="{BEB63FF6-9169-4DC8-9D4D-F5C32EAA2AE5}" type="datetimeFigureOut">
               <a:rPr lang="vi-VN" smtClean="0"/>
-              <a:t>23/03/2024</a:t>
+              <a:t>24/03/2024</a:t>
             </a:fld>
             <a:endParaRPr lang="vi-VN"/>
           </a:p>
@@ -3048,6 +3191,18 @@
     <p:sldLayoutId id="2147483658" r:id="rId10"/>
     <p:sldLayoutId id="2147483659" r:id="rId11"/>
   </p:sldLayoutIdLst>
+  <mc:AlternateContent xmlns:mc="http://schemas.openxmlformats.org/markup-compatibility/2006">
+    <mc:Choice xmlns:p159="http://schemas.microsoft.com/office/powerpoint/2015/09/main" Requires="p159">
+      <p:transition spd="slow">
+        <p159:morph option="byObject"/>
+      </p:transition>
+    </mc:Choice>
+    <mc:Fallback>
+      <p:transition spd="slow">
+        <p:fade/>
+      </p:transition>
+    </mc:Fallback>
+  </mc:AlternateContent>
   <p:txStyles>
     <p:titleStyle>
       <a:lvl1pPr algn="l" defTabSz="914400" rtl="0" eaLnBrk="1" latinLnBrk="0" hangingPunct="1">
@@ -3532,13 +3687,1042 @@
   <p:clrMapOvr>
     <a:masterClrMapping/>
   </p:clrMapOvr>
-  <p:transition spd="slow">
-    <p:push dir="u"/>
-  </p:transition>
+  <mc:AlternateContent xmlns:mc="http://schemas.openxmlformats.org/markup-compatibility/2006">
+    <mc:Choice xmlns:p159="http://schemas.microsoft.com/office/powerpoint/2015/09/main" Requires="p159">
+      <p:transition spd="slow">
+        <p159:morph option="byObject"/>
+      </p:transition>
+    </mc:Choice>
+    <mc:Fallback>
+      <p:transition spd="slow">
+        <p:fade/>
+      </p:transition>
+    </mc:Fallback>
+  </mc:AlternateContent>
+</p:sld>
+</file>
+
+<file path=ppt/slides/slide10.xml><?xml version="1.0" encoding="utf-8"?>
+<p:sld xmlns:a="http://schemas.openxmlformats.org/drawingml/2006/main" xmlns:r="http://schemas.openxmlformats.org/officeDocument/2006/relationships" xmlns:p="http://schemas.openxmlformats.org/presentationml/2006/main">
+  <p:cSld>
+    <p:bg>
+      <p:bgPr>
+        <a:gradFill flip="none" rotWithShape="1">
+          <a:gsLst>
+            <a:gs pos="0">
+              <a:srgbClr val="21D4FD"/>
+            </a:gs>
+            <a:gs pos="92000">
+              <a:srgbClr val="B721FF"/>
+            </a:gs>
+          </a:gsLst>
+          <a:lin ang="8100000" scaled="1"/>
+          <a:tileRect/>
+        </a:gradFill>
+        <a:effectLst/>
+      </p:bgPr>
+    </p:bg>
+    <p:spTree>
+      <p:nvGrpSpPr>
+        <p:cNvPr id="1" name=""/>
+        <p:cNvGrpSpPr/>
+        <p:nvPr/>
+      </p:nvGrpSpPr>
+      <p:grpSpPr>
+        <a:xfrm>
+          <a:off x="0" y="0"/>
+          <a:ext cx="0" cy="0"/>
+          <a:chOff x="0" y="0"/>
+          <a:chExt cx="0" cy="0"/>
+        </a:xfrm>
+      </p:grpSpPr>
+      <p:pic>
+        <p:nvPicPr>
+          <p:cNvPr id="5" name="Picture 4">
+            <a:extLst>
+              <a:ext uri="{FF2B5EF4-FFF2-40B4-BE49-F238E27FC236}">
+                <a16:creationId xmlns:a16="http://schemas.microsoft.com/office/drawing/2014/main" id="{431959D6-4753-2BD4-065A-F7D82C894378}"/>
+              </a:ext>
+            </a:extLst>
+          </p:cNvPr>
+          <p:cNvPicPr>
+            <a:picLocks noChangeAspect="1"/>
+          </p:cNvPicPr>
+          <p:nvPr/>
+        </p:nvPicPr>
+        <p:blipFill rotWithShape="1">
+          <a:blip r:embed="rId2">
+            <a:extLst>
+              <a:ext uri="{28A0092B-C50C-407E-A947-70E740481C1C}">
+                <a14:useLocalDpi xmlns:a14="http://schemas.microsoft.com/office/drawing/2010/main" val="0"/>
+              </a:ext>
+            </a:extLst>
+          </a:blip>
+          <a:srcRect l="-1049" r="1432"/>
+          <a:stretch/>
+        </p:blipFill>
+        <p:spPr>
+          <a:xfrm>
+            <a:off x="875071" y="2913726"/>
+            <a:ext cx="10872430" cy="3855716"/>
+          </a:xfrm>
+          <a:prstGeom prst="rect">
+            <a:avLst/>
+          </a:prstGeom>
+        </p:spPr>
+      </p:pic>
+      <p:sp>
+        <p:nvSpPr>
+          <p:cNvPr id="6" name="TextBox 5">
+            <a:extLst>
+              <a:ext uri="{FF2B5EF4-FFF2-40B4-BE49-F238E27FC236}">
+                <a16:creationId xmlns:a16="http://schemas.microsoft.com/office/drawing/2014/main" id="{C1F145EF-74CE-3394-B9E8-7FFAE8DC8206}"/>
+              </a:ext>
+            </a:extLst>
+          </p:cNvPr>
+          <p:cNvSpPr txBox="1"/>
+          <p:nvPr/>
+        </p:nvSpPr>
+        <p:spPr>
+          <a:xfrm>
+            <a:off x="5957316" y="816088"/>
+            <a:ext cx="5440680" cy="1200329"/>
+          </a:xfrm>
+          <a:prstGeom prst="rect">
+            <a:avLst/>
+          </a:prstGeom>
+          <a:noFill/>
+        </p:spPr>
+        <p:txBody>
+          <a:bodyPr wrap="square" rtlCol="0">
+            <a:spAutoFit/>
+          </a:bodyPr>
+          <a:lstStyle/>
+          <a:p>
+            <a:pPr algn="ctr"/>
+            <a:r>
+              <a:rPr lang="en-US" sz="3600" b="1">
+                <a:solidFill>
+                  <a:schemeClr val="bg1"/>
+                </a:solidFill>
+              </a:rPr>
+              <a:t>Phần điền thông tin của app</a:t>
+            </a:r>
+            <a:endParaRPr lang="vi-VN" sz="3600" b="1">
+              <a:solidFill>
+                <a:schemeClr val="bg1"/>
+              </a:solidFill>
+            </a:endParaRPr>
+          </a:p>
+        </p:txBody>
+      </p:sp>
+      <p:sp>
+        <p:nvSpPr>
+          <p:cNvPr id="2" name="TextBox 1">
+            <a:extLst>
+              <a:ext uri="{FF2B5EF4-FFF2-40B4-BE49-F238E27FC236}">
+                <a16:creationId xmlns:a16="http://schemas.microsoft.com/office/drawing/2014/main" id="{C9E8BEA5-A81A-228D-572C-4EFD7A659C83}"/>
+              </a:ext>
+            </a:extLst>
+          </p:cNvPr>
+          <p:cNvSpPr txBox="1"/>
+          <p:nvPr/>
+        </p:nvSpPr>
+        <p:spPr>
+          <a:xfrm>
+            <a:off x="1011936" y="388470"/>
+            <a:ext cx="4617720" cy="2246769"/>
+          </a:xfrm>
+          <a:prstGeom prst="rect">
+            <a:avLst/>
+          </a:prstGeom>
+          <a:noFill/>
+        </p:spPr>
+        <p:txBody>
+          <a:bodyPr wrap="square" rtlCol="0">
+            <a:spAutoFit/>
+          </a:bodyPr>
+          <a:lstStyle/>
+          <a:p>
+            <a:pPr marL="457200" indent="-457200">
+              <a:buFont typeface="Arial" panose="020B0604020202020204" pitchFamily="34" charset="0"/>
+              <a:buChar char="•"/>
+            </a:pPr>
+            <a:r>
+              <a:rPr lang="en-US" sz="2800">
+                <a:solidFill>
+                  <a:schemeClr val="bg1"/>
+                </a:solidFill>
+              </a:rPr>
+              <a:t>Khi bấm nút Thêm thì dữ liệu được thêm vào trong hàng của bảng</a:t>
+            </a:r>
+          </a:p>
+          <a:p>
+            <a:pPr marL="457200" indent="-457200">
+              <a:buFont typeface="Arial" panose="020B0604020202020204" pitchFamily="34" charset="0"/>
+              <a:buChar char="•"/>
+            </a:pPr>
+            <a:r>
+              <a:rPr lang="en-US" sz="2800">
+                <a:solidFill>
+                  <a:schemeClr val="bg1"/>
+                </a:solidFill>
+              </a:rPr>
+              <a:t>Làm trống các ô TextField</a:t>
+            </a:r>
+          </a:p>
+          <a:p>
+            <a:pPr marL="457200" indent="-457200">
+              <a:buFont typeface="Arial" panose="020B0604020202020204" pitchFamily="34" charset="0"/>
+              <a:buChar char="•"/>
+            </a:pPr>
+            <a:r>
+              <a:rPr lang="en-US" sz="2800">
+                <a:solidFill>
+                  <a:schemeClr val="bg1"/>
+                </a:solidFill>
+              </a:rPr>
+              <a:t>Hiển thị lên ô thông báo</a:t>
+            </a:r>
+            <a:endParaRPr lang="vi-VN" sz="2800">
+              <a:solidFill>
+                <a:schemeClr val="bg1"/>
+              </a:solidFill>
+            </a:endParaRPr>
+          </a:p>
+        </p:txBody>
+      </p:sp>
+    </p:spTree>
+    <p:extLst>
+      <p:ext uri="{BB962C8B-B14F-4D97-AF65-F5344CB8AC3E}">
+        <p14:creationId xmlns:p14="http://schemas.microsoft.com/office/powerpoint/2010/main" val="2961441215"/>
+      </p:ext>
+    </p:extLst>
+  </p:cSld>
+  <p:clrMapOvr>
+    <a:masterClrMapping/>
+  </p:clrMapOvr>
+  <mc:AlternateContent xmlns:mc="http://schemas.openxmlformats.org/markup-compatibility/2006">
+    <mc:Choice xmlns:p159="http://schemas.microsoft.com/office/powerpoint/2015/09/main" Requires="p159">
+      <p:transition spd="slow">
+        <p159:morph option="byObject"/>
+      </p:transition>
+    </mc:Choice>
+    <mc:Fallback>
+      <p:transition spd="slow">
+        <p:fade/>
+      </p:transition>
+    </mc:Fallback>
+  </mc:AlternateContent>
+</p:sld>
+</file>
+
+<file path=ppt/slides/slide11.xml><?xml version="1.0" encoding="utf-8"?>
+<p:sld xmlns:a="http://schemas.openxmlformats.org/drawingml/2006/main" xmlns:r="http://schemas.openxmlformats.org/officeDocument/2006/relationships" xmlns:p="http://schemas.openxmlformats.org/presentationml/2006/main">
+  <p:cSld>
+    <p:bg>
+      <p:bgPr>
+        <a:gradFill flip="none" rotWithShape="1">
+          <a:gsLst>
+            <a:gs pos="0">
+              <a:srgbClr val="21D4FD"/>
+            </a:gs>
+            <a:gs pos="92000">
+              <a:srgbClr val="B721FF"/>
+            </a:gs>
+          </a:gsLst>
+          <a:lin ang="8100000" scaled="1"/>
+          <a:tileRect/>
+        </a:gradFill>
+        <a:effectLst/>
+      </p:bgPr>
+    </p:bg>
+    <p:spTree>
+      <p:nvGrpSpPr>
+        <p:cNvPr id="1" name=""/>
+        <p:cNvGrpSpPr/>
+        <p:nvPr/>
+      </p:nvGrpSpPr>
+      <p:grpSpPr>
+        <a:xfrm>
+          <a:off x="0" y="0"/>
+          <a:ext cx="0" cy="0"/>
+          <a:chOff x="0" y="0"/>
+          <a:chExt cx="0" cy="0"/>
+        </a:xfrm>
+      </p:grpSpPr>
+      <p:pic>
+        <p:nvPicPr>
+          <p:cNvPr id="5" name="Picture 4">
+            <a:extLst>
+              <a:ext uri="{FF2B5EF4-FFF2-40B4-BE49-F238E27FC236}">
+                <a16:creationId xmlns:a16="http://schemas.microsoft.com/office/drawing/2014/main" id="{431959D6-4753-2BD4-065A-F7D82C894378}"/>
+              </a:ext>
+            </a:extLst>
+          </p:cNvPr>
+          <p:cNvPicPr>
+            <a:picLocks noChangeAspect="1"/>
+          </p:cNvPicPr>
+          <p:nvPr/>
+        </p:nvPicPr>
+        <p:blipFill rotWithShape="1">
+          <a:blip r:embed="rId2">
+            <a:extLst>
+              <a:ext uri="{28A0092B-C50C-407E-A947-70E740481C1C}">
+                <a14:useLocalDpi xmlns:a14="http://schemas.microsoft.com/office/drawing/2010/main" val="0"/>
+              </a:ext>
+            </a:extLst>
+          </a:blip>
+          <a:srcRect t="12043" b="12043"/>
+          <a:stretch/>
+        </p:blipFill>
+        <p:spPr>
+          <a:xfrm>
+            <a:off x="875071" y="2913726"/>
+            <a:ext cx="10872430" cy="3855716"/>
+          </a:xfrm>
+          <a:prstGeom prst="rect">
+            <a:avLst/>
+          </a:prstGeom>
+        </p:spPr>
+      </p:pic>
+      <p:sp>
+        <p:nvSpPr>
+          <p:cNvPr id="6" name="TextBox 5">
+            <a:extLst>
+              <a:ext uri="{FF2B5EF4-FFF2-40B4-BE49-F238E27FC236}">
+                <a16:creationId xmlns:a16="http://schemas.microsoft.com/office/drawing/2014/main" id="{C1F145EF-74CE-3394-B9E8-7FFAE8DC8206}"/>
+              </a:ext>
+            </a:extLst>
+          </p:cNvPr>
+          <p:cNvSpPr txBox="1"/>
+          <p:nvPr/>
+        </p:nvSpPr>
+        <p:spPr>
+          <a:xfrm>
+            <a:off x="5957316" y="816088"/>
+            <a:ext cx="5440680" cy="1200329"/>
+          </a:xfrm>
+          <a:prstGeom prst="rect">
+            <a:avLst/>
+          </a:prstGeom>
+          <a:noFill/>
+        </p:spPr>
+        <p:txBody>
+          <a:bodyPr wrap="square" rtlCol="0">
+            <a:spAutoFit/>
+          </a:bodyPr>
+          <a:lstStyle/>
+          <a:p>
+            <a:pPr algn="ctr"/>
+            <a:r>
+              <a:rPr lang="en-US" sz="3600" b="1">
+                <a:solidFill>
+                  <a:schemeClr val="bg1"/>
+                </a:solidFill>
+              </a:rPr>
+              <a:t>Phần điền thông tin của app</a:t>
+            </a:r>
+            <a:endParaRPr lang="vi-VN" sz="3600" b="1">
+              <a:solidFill>
+                <a:schemeClr val="bg1"/>
+              </a:solidFill>
+            </a:endParaRPr>
+          </a:p>
+        </p:txBody>
+      </p:sp>
+      <p:sp>
+        <p:nvSpPr>
+          <p:cNvPr id="2" name="TextBox 1">
+            <a:extLst>
+              <a:ext uri="{FF2B5EF4-FFF2-40B4-BE49-F238E27FC236}">
+                <a16:creationId xmlns:a16="http://schemas.microsoft.com/office/drawing/2014/main" id="{C9E8BEA5-A81A-228D-572C-4EFD7A659C83}"/>
+              </a:ext>
+            </a:extLst>
+          </p:cNvPr>
+          <p:cNvSpPr txBox="1"/>
+          <p:nvPr/>
+        </p:nvSpPr>
+        <p:spPr>
+          <a:xfrm>
+            <a:off x="1011936" y="388470"/>
+            <a:ext cx="4617720" cy="2246769"/>
+          </a:xfrm>
+          <a:prstGeom prst="rect">
+            <a:avLst/>
+          </a:prstGeom>
+          <a:noFill/>
+        </p:spPr>
+        <p:txBody>
+          <a:bodyPr wrap="square" rtlCol="0">
+            <a:spAutoFit/>
+          </a:bodyPr>
+          <a:lstStyle/>
+          <a:p>
+            <a:pPr marL="457200" indent="-457200">
+              <a:buFont typeface="Arial" panose="020B0604020202020204" pitchFamily="34" charset="0"/>
+              <a:buChar char="•"/>
+            </a:pPr>
+            <a:r>
+              <a:rPr lang="en-US" sz="2800">
+                <a:solidFill>
+                  <a:schemeClr val="bg1"/>
+                </a:solidFill>
+              </a:rPr>
+              <a:t>Khi bấm lên các hàng thì các TextField sẽ được ghi dữ liệu từ hang đó</a:t>
+            </a:r>
+          </a:p>
+          <a:p>
+            <a:pPr marL="457200" indent="-457200">
+              <a:buFont typeface="Arial" panose="020B0604020202020204" pitchFamily="34" charset="0"/>
+              <a:buChar char="•"/>
+            </a:pPr>
+            <a:r>
+              <a:rPr lang="en-US" sz="2800">
+                <a:solidFill>
+                  <a:schemeClr val="bg1"/>
+                </a:solidFill>
+              </a:rPr>
+              <a:t>Sau đó thực hiện các năng Xóa và Sửa</a:t>
+            </a:r>
+            <a:endParaRPr lang="vi-VN" sz="2800">
+              <a:solidFill>
+                <a:schemeClr val="bg1"/>
+              </a:solidFill>
+            </a:endParaRPr>
+          </a:p>
+        </p:txBody>
+      </p:sp>
+    </p:spTree>
+    <p:extLst>
+      <p:ext uri="{BB962C8B-B14F-4D97-AF65-F5344CB8AC3E}">
+        <p14:creationId xmlns:p14="http://schemas.microsoft.com/office/powerpoint/2010/main" val="2139432989"/>
+      </p:ext>
+    </p:extLst>
+  </p:cSld>
+  <p:clrMapOvr>
+    <a:masterClrMapping/>
+  </p:clrMapOvr>
+  <mc:AlternateContent xmlns:mc="http://schemas.openxmlformats.org/markup-compatibility/2006">
+    <mc:Choice xmlns:p159="http://schemas.microsoft.com/office/powerpoint/2015/09/main" Requires="p159">
+      <p:transition spd="slow">
+        <p159:morph option="byObject"/>
+      </p:transition>
+    </mc:Choice>
+    <mc:Fallback>
+      <p:transition spd="slow">
+        <p:fade/>
+      </p:transition>
+    </mc:Fallback>
+  </mc:AlternateContent>
+</p:sld>
+</file>
+
+<file path=ppt/slides/slide12.xml><?xml version="1.0" encoding="utf-8"?>
+<p:sld xmlns:a="http://schemas.openxmlformats.org/drawingml/2006/main" xmlns:r="http://schemas.openxmlformats.org/officeDocument/2006/relationships" xmlns:p="http://schemas.openxmlformats.org/presentationml/2006/main">
+  <p:cSld>
+    <p:bg>
+      <p:bgPr>
+        <a:gradFill flip="none" rotWithShape="1">
+          <a:gsLst>
+            <a:gs pos="0">
+              <a:srgbClr val="21D4FD"/>
+            </a:gs>
+            <a:gs pos="92000">
+              <a:srgbClr val="B721FF"/>
+            </a:gs>
+          </a:gsLst>
+          <a:lin ang="8100000" scaled="1"/>
+          <a:tileRect/>
+        </a:gradFill>
+        <a:effectLst/>
+      </p:bgPr>
+    </p:bg>
+    <p:spTree>
+      <p:nvGrpSpPr>
+        <p:cNvPr id="1" name=""/>
+        <p:cNvGrpSpPr/>
+        <p:nvPr/>
+      </p:nvGrpSpPr>
+      <p:grpSpPr>
+        <a:xfrm>
+          <a:off x="0" y="0"/>
+          <a:ext cx="0" cy="0"/>
+          <a:chOff x="0" y="0"/>
+          <a:chExt cx="0" cy="0"/>
+        </a:xfrm>
+      </p:grpSpPr>
+      <p:pic>
+        <p:nvPicPr>
+          <p:cNvPr id="5" name="Picture 4">
+            <a:extLst>
+              <a:ext uri="{FF2B5EF4-FFF2-40B4-BE49-F238E27FC236}">
+                <a16:creationId xmlns:a16="http://schemas.microsoft.com/office/drawing/2014/main" id="{431959D6-4753-2BD4-065A-F7D82C894378}"/>
+              </a:ext>
+            </a:extLst>
+          </p:cNvPr>
+          <p:cNvPicPr>
+            <a:picLocks noChangeAspect="1"/>
+          </p:cNvPicPr>
+          <p:nvPr/>
+        </p:nvPicPr>
+        <p:blipFill rotWithShape="1">
+          <a:blip r:embed="rId2">
+            <a:extLst>
+              <a:ext uri="{28A0092B-C50C-407E-A947-70E740481C1C}">
+                <a14:useLocalDpi xmlns:a14="http://schemas.microsoft.com/office/drawing/2010/main" val="0"/>
+              </a:ext>
+            </a:extLst>
+          </a:blip>
+          <a:srcRect t="20267" b="20267"/>
+          <a:stretch/>
+        </p:blipFill>
+        <p:spPr>
+          <a:xfrm>
+            <a:off x="875071" y="2913726"/>
+            <a:ext cx="10872430" cy="3855716"/>
+          </a:xfrm>
+          <a:prstGeom prst="rect">
+            <a:avLst/>
+          </a:prstGeom>
+        </p:spPr>
+      </p:pic>
+      <p:sp>
+        <p:nvSpPr>
+          <p:cNvPr id="6" name="TextBox 5">
+            <a:extLst>
+              <a:ext uri="{FF2B5EF4-FFF2-40B4-BE49-F238E27FC236}">
+                <a16:creationId xmlns:a16="http://schemas.microsoft.com/office/drawing/2014/main" id="{C1F145EF-74CE-3394-B9E8-7FFAE8DC8206}"/>
+              </a:ext>
+            </a:extLst>
+          </p:cNvPr>
+          <p:cNvSpPr txBox="1"/>
+          <p:nvPr/>
+        </p:nvSpPr>
+        <p:spPr>
+          <a:xfrm>
+            <a:off x="5957316" y="816088"/>
+            <a:ext cx="5440680" cy="1200329"/>
+          </a:xfrm>
+          <a:prstGeom prst="rect">
+            <a:avLst/>
+          </a:prstGeom>
+          <a:noFill/>
+        </p:spPr>
+        <p:txBody>
+          <a:bodyPr wrap="square" rtlCol="0">
+            <a:spAutoFit/>
+          </a:bodyPr>
+          <a:lstStyle/>
+          <a:p>
+            <a:pPr algn="ctr"/>
+            <a:r>
+              <a:rPr lang="en-US" sz="3600" b="1">
+                <a:solidFill>
+                  <a:schemeClr val="bg1"/>
+                </a:solidFill>
+              </a:rPr>
+              <a:t>Phần điền thông tin của app</a:t>
+            </a:r>
+            <a:endParaRPr lang="vi-VN" sz="3600" b="1">
+              <a:solidFill>
+                <a:schemeClr val="bg1"/>
+              </a:solidFill>
+            </a:endParaRPr>
+          </a:p>
+        </p:txBody>
+      </p:sp>
+      <p:sp>
+        <p:nvSpPr>
+          <p:cNvPr id="2" name="TextBox 1">
+            <a:extLst>
+              <a:ext uri="{FF2B5EF4-FFF2-40B4-BE49-F238E27FC236}">
+                <a16:creationId xmlns:a16="http://schemas.microsoft.com/office/drawing/2014/main" id="{C9E8BEA5-A81A-228D-572C-4EFD7A659C83}"/>
+              </a:ext>
+            </a:extLst>
+          </p:cNvPr>
+          <p:cNvSpPr txBox="1"/>
+          <p:nvPr/>
+        </p:nvSpPr>
+        <p:spPr>
+          <a:xfrm>
+            <a:off x="1011936" y="388470"/>
+            <a:ext cx="4617720" cy="2246769"/>
+          </a:xfrm>
+          <a:prstGeom prst="rect">
+            <a:avLst/>
+          </a:prstGeom>
+          <a:noFill/>
+        </p:spPr>
+        <p:txBody>
+          <a:bodyPr wrap="square" rtlCol="0">
+            <a:spAutoFit/>
+          </a:bodyPr>
+          <a:lstStyle/>
+          <a:p>
+            <a:pPr marL="457200" indent="-457200">
+              <a:buFont typeface="Arial" panose="020B0604020202020204" pitchFamily="34" charset="0"/>
+              <a:buChar char="•"/>
+            </a:pPr>
+            <a:r>
+              <a:rPr lang="en-US" sz="2800">
+                <a:solidFill>
+                  <a:schemeClr val="bg1"/>
+                </a:solidFill>
+              </a:rPr>
+              <a:t>Khi bấm lên các hàng thì các TextField sẽ được ghi dữ liệu từ hang đó</a:t>
+            </a:r>
+          </a:p>
+          <a:p>
+            <a:pPr marL="457200" indent="-457200">
+              <a:buFont typeface="Arial" panose="020B0604020202020204" pitchFamily="34" charset="0"/>
+              <a:buChar char="•"/>
+            </a:pPr>
+            <a:r>
+              <a:rPr lang="en-US" sz="2800">
+                <a:solidFill>
+                  <a:schemeClr val="bg1"/>
+                </a:solidFill>
+              </a:rPr>
+              <a:t>Sau đó thực hiện các năng Xóa và Sửa</a:t>
+            </a:r>
+            <a:endParaRPr lang="vi-VN" sz="2800">
+              <a:solidFill>
+                <a:schemeClr val="bg1"/>
+              </a:solidFill>
+            </a:endParaRPr>
+          </a:p>
+        </p:txBody>
+      </p:sp>
+    </p:spTree>
+    <p:extLst>
+      <p:ext uri="{BB962C8B-B14F-4D97-AF65-F5344CB8AC3E}">
+        <p14:creationId xmlns:p14="http://schemas.microsoft.com/office/powerpoint/2010/main" val="4077255133"/>
+      </p:ext>
+    </p:extLst>
+  </p:cSld>
+  <p:clrMapOvr>
+    <a:masterClrMapping/>
+  </p:clrMapOvr>
+  <mc:AlternateContent xmlns:mc="http://schemas.openxmlformats.org/markup-compatibility/2006">
+    <mc:Choice xmlns:p159="http://schemas.microsoft.com/office/powerpoint/2015/09/main" Requires="p159">
+      <p:transition spd="slow">
+        <p159:morph option="byObject"/>
+      </p:transition>
+    </mc:Choice>
+    <mc:Fallback>
+      <p:transition spd="slow">
+        <p:fade/>
+      </p:transition>
+    </mc:Fallback>
+  </mc:AlternateContent>
+</p:sld>
+</file>
+
+<file path=ppt/slides/slide13.xml><?xml version="1.0" encoding="utf-8"?>
+<p:sld xmlns:a="http://schemas.openxmlformats.org/drawingml/2006/main" xmlns:r="http://schemas.openxmlformats.org/officeDocument/2006/relationships" xmlns:p="http://schemas.openxmlformats.org/presentationml/2006/main">
+  <p:cSld>
+    <p:bg>
+      <p:bgPr>
+        <a:gradFill flip="none" rotWithShape="1">
+          <a:gsLst>
+            <a:gs pos="0">
+              <a:srgbClr val="21D4FD"/>
+            </a:gs>
+            <a:gs pos="92000">
+              <a:srgbClr val="B721FF"/>
+            </a:gs>
+          </a:gsLst>
+          <a:lin ang="8100000" scaled="1"/>
+          <a:tileRect/>
+        </a:gradFill>
+        <a:effectLst/>
+      </p:bgPr>
+    </p:bg>
+    <p:spTree>
+      <p:nvGrpSpPr>
+        <p:cNvPr id="1" name=""/>
+        <p:cNvGrpSpPr/>
+        <p:nvPr/>
+      </p:nvGrpSpPr>
+      <p:grpSpPr>
+        <a:xfrm>
+          <a:off x="0" y="0"/>
+          <a:ext cx="0" cy="0"/>
+          <a:chOff x="0" y="0"/>
+          <a:chExt cx="0" cy="0"/>
+        </a:xfrm>
+      </p:grpSpPr>
+      <p:pic>
+        <p:nvPicPr>
+          <p:cNvPr id="5" name="Picture 4">
+            <a:extLst>
+              <a:ext uri="{FF2B5EF4-FFF2-40B4-BE49-F238E27FC236}">
+                <a16:creationId xmlns:a16="http://schemas.microsoft.com/office/drawing/2014/main" id="{431959D6-4753-2BD4-065A-F7D82C894378}"/>
+              </a:ext>
+            </a:extLst>
+          </p:cNvPr>
+          <p:cNvPicPr>
+            <a:picLocks noChangeAspect="1"/>
+          </p:cNvPicPr>
+          <p:nvPr/>
+        </p:nvPicPr>
+        <p:blipFill rotWithShape="1">
+          <a:blip r:embed="rId2">
+            <a:extLst>
+              <a:ext uri="{28A0092B-C50C-407E-A947-70E740481C1C}">
+                <a14:useLocalDpi xmlns:a14="http://schemas.microsoft.com/office/drawing/2010/main" val="0"/>
+              </a:ext>
+            </a:extLst>
+          </a:blip>
+          <a:srcRect t="17604" b="17604"/>
+          <a:stretch/>
+        </p:blipFill>
+        <p:spPr>
+          <a:xfrm>
+            <a:off x="875071" y="2913726"/>
+            <a:ext cx="10872430" cy="3855716"/>
+          </a:xfrm>
+          <a:prstGeom prst="rect">
+            <a:avLst/>
+          </a:prstGeom>
+        </p:spPr>
+      </p:pic>
+      <p:sp>
+        <p:nvSpPr>
+          <p:cNvPr id="6" name="TextBox 5">
+            <a:extLst>
+              <a:ext uri="{FF2B5EF4-FFF2-40B4-BE49-F238E27FC236}">
+                <a16:creationId xmlns:a16="http://schemas.microsoft.com/office/drawing/2014/main" id="{C1F145EF-74CE-3394-B9E8-7FFAE8DC8206}"/>
+              </a:ext>
+            </a:extLst>
+          </p:cNvPr>
+          <p:cNvSpPr txBox="1"/>
+          <p:nvPr/>
+        </p:nvSpPr>
+        <p:spPr>
+          <a:xfrm>
+            <a:off x="5957316" y="816088"/>
+            <a:ext cx="5440680" cy="1200329"/>
+          </a:xfrm>
+          <a:prstGeom prst="rect">
+            <a:avLst/>
+          </a:prstGeom>
+          <a:noFill/>
+        </p:spPr>
+        <p:txBody>
+          <a:bodyPr wrap="square" rtlCol="0">
+            <a:spAutoFit/>
+          </a:bodyPr>
+          <a:lstStyle/>
+          <a:p>
+            <a:pPr algn="ctr"/>
+            <a:r>
+              <a:rPr lang="en-US" sz="3600" b="1">
+                <a:solidFill>
+                  <a:schemeClr val="bg1"/>
+                </a:solidFill>
+              </a:rPr>
+              <a:t>Phần điền thông tin của app</a:t>
+            </a:r>
+            <a:endParaRPr lang="vi-VN" sz="3600" b="1">
+              <a:solidFill>
+                <a:schemeClr val="bg1"/>
+              </a:solidFill>
+            </a:endParaRPr>
+          </a:p>
+        </p:txBody>
+      </p:sp>
+      <p:sp>
+        <p:nvSpPr>
+          <p:cNvPr id="2" name="TextBox 1">
+            <a:extLst>
+              <a:ext uri="{FF2B5EF4-FFF2-40B4-BE49-F238E27FC236}">
+                <a16:creationId xmlns:a16="http://schemas.microsoft.com/office/drawing/2014/main" id="{C9E8BEA5-A81A-228D-572C-4EFD7A659C83}"/>
+              </a:ext>
+            </a:extLst>
+          </p:cNvPr>
+          <p:cNvSpPr txBox="1"/>
+          <p:nvPr/>
+        </p:nvSpPr>
+        <p:spPr>
+          <a:xfrm>
+            <a:off x="1011936" y="388470"/>
+            <a:ext cx="4617720" cy="2246769"/>
+          </a:xfrm>
+          <a:prstGeom prst="rect">
+            <a:avLst/>
+          </a:prstGeom>
+          <a:noFill/>
+        </p:spPr>
+        <p:txBody>
+          <a:bodyPr wrap="square" rtlCol="0">
+            <a:spAutoFit/>
+          </a:bodyPr>
+          <a:lstStyle/>
+          <a:p>
+            <a:pPr marL="457200" indent="-457200">
+              <a:buFont typeface="Arial" panose="020B0604020202020204" pitchFamily="34" charset="0"/>
+              <a:buChar char="•"/>
+            </a:pPr>
+            <a:r>
+              <a:rPr lang="en-US" sz="2800">
+                <a:solidFill>
+                  <a:schemeClr val="bg1"/>
+                </a:solidFill>
+              </a:rPr>
+              <a:t>Khi bấm lên các hàng thì các TextField sẽ được ghi dữ liệu từ hang đó</a:t>
+            </a:r>
+          </a:p>
+          <a:p>
+            <a:pPr marL="457200" indent="-457200">
+              <a:buFont typeface="Arial" panose="020B0604020202020204" pitchFamily="34" charset="0"/>
+              <a:buChar char="•"/>
+            </a:pPr>
+            <a:r>
+              <a:rPr lang="en-US" sz="2800">
+                <a:solidFill>
+                  <a:schemeClr val="bg1"/>
+                </a:solidFill>
+              </a:rPr>
+              <a:t>Sau đó thực hiện các năng Xóa và Sửa</a:t>
+            </a:r>
+            <a:endParaRPr lang="vi-VN" sz="2800">
+              <a:solidFill>
+                <a:schemeClr val="bg1"/>
+              </a:solidFill>
+            </a:endParaRPr>
+          </a:p>
+        </p:txBody>
+      </p:sp>
+    </p:spTree>
+    <p:extLst>
+      <p:ext uri="{BB962C8B-B14F-4D97-AF65-F5344CB8AC3E}">
+        <p14:creationId xmlns:p14="http://schemas.microsoft.com/office/powerpoint/2010/main" val="2890775495"/>
+      </p:ext>
+    </p:extLst>
+  </p:cSld>
+  <p:clrMapOvr>
+    <a:masterClrMapping/>
+  </p:clrMapOvr>
+  <mc:AlternateContent xmlns:mc="http://schemas.openxmlformats.org/markup-compatibility/2006">
+    <mc:Choice xmlns:p159="http://schemas.microsoft.com/office/powerpoint/2015/09/main" Requires="p159">
+      <p:transition spd="slow">
+        <p159:morph option="byObject"/>
+      </p:transition>
+    </mc:Choice>
+    <mc:Fallback>
+      <p:transition spd="slow">
+        <p:fade/>
+      </p:transition>
+    </mc:Fallback>
+  </mc:AlternateContent>
 </p:sld>
 </file>
 
 <file path=ppt/slides/slide2.xml><?xml version="1.0" encoding="utf-8"?>
+<p:sld xmlns:a="http://schemas.openxmlformats.org/drawingml/2006/main" xmlns:r="http://schemas.openxmlformats.org/officeDocument/2006/relationships" xmlns:p="http://schemas.openxmlformats.org/presentationml/2006/main">
+  <p:cSld>
+    <p:bg>
+      <p:bgPr>
+        <a:gradFill flip="none" rotWithShape="1">
+          <a:gsLst>
+            <a:gs pos="0">
+              <a:srgbClr val="21D4FD"/>
+            </a:gs>
+            <a:gs pos="92000">
+              <a:srgbClr val="B721FF"/>
+            </a:gs>
+          </a:gsLst>
+          <a:lin ang="2700000" scaled="1"/>
+          <a:tileRect/>
+        </a:gradFill>
+        <a:effectLst/>
+      </p:bgPr>
+    </p:bg>
+    <p:spTree>
+      <p:nvGrpSpPr>
+        <p:cNvPr id="1" name=""/>
+        <p:cNvGrpSpPr/>
+        <p:nvPr/>
+      </p:nvGrpSpPr>
+      <p:grpSpPr>
+        <a:xfrm>
+          <a:off x="0" y="0"/>
+          <a:ext cx="0" cy="0"/>
+          <a:chOff x="0" y="0"/>
+          <a:chExt cx="0" cy="0"/>
+        </a:xfrm>
+      </p:grpSpPr>
+      <p:sp>
+        <p:nvSpPr>
+          <p:cNvPr id="5" name="TextBox 4">
+            <a:extLst>
+              <a:ext uri="{FF2B5EF4-FFF2-40B4-BE49-F238E27FC236}">
+                <a16:creationId xmlns:a16="http://schemas.microsoft.com/office/drawing/2014/main" id="{007DE2D7-85C1-A80F-B2BB-F08AC46BAFDF}"/>
+              </a:ext>
+            </a:extLst>
+          </p:cNvPr>
+          <p:cNvSpPr txBox="1"/>
+          <p:nvPr/>
+        </p:nvSpPr>
+        <p:spPr>
+          <a:xfrm>
+            <a:off x="1051791" y="2908890"/>
+            <a:ext cx="3431310" cy="1446550"/>
+          </a:xfrm>
+          <a:prstGeom prst="rect">
+            <a:avLst/>
+          </a:prstGeom>
+          <a:noFill/>
+        </p:spPr>
+        <p:txBody>
+          <a:bodyPr wrap="square">
+            <a:spAutoFit/>
+          </a:bodyPr>
+          <a:lstStyle/>
+          <a:p>
+            <a:pPr indent="269875" algn="ctr">
+              <a:spcBef>
+                <a:spcPts val="600"/>
+              </a:spcBef>
+              <a:spcAft>
+                <a:spcPts val="1200"/>
+              </a:spcAft>
+            </a:pPr>
+            <a:r>
+              <a:rPr lang="en-US" sz="8800" b="1">
+                <a:solidFill>
+                  <a:schemeClr val="bg1"/>
+                </a:solidFill>
+                <a:effectLst/>
+                <a:latin typeface="Calibri" panose="020F0502020204030204" pitchFamily="34" charset="0"/>
+                <a:ea typeface="Calibri" panose="020F0502020204030204" pitchFamily="34" charset="0"/>
+                <a:cs typeface="Arial" panose="020B0604020202020204" pitchFamily="34" charset="0"/>
+              </a:rPr>
+              <a:t>Bài 1</a:t>
+            </a:r>
+            <a:endParaRPr lang="vi-VN" sz="8800" b="1">
+              <a:solidFill>
+                <a:schemeClr val="bg1"/>
+              </a:solidFill>
+              <a:effectLst/>
+              <a:latin typeface="Calibri" panose="020F0502020204030204" pitchFamily="34" charset="0"/>
+              <a:ea typeface="Calibri" panose="020F0502020204030204" pitchFamily="34" charset="0"/>
+              <a:cs typeface="Arial" panose="020B0604020202020204" pitchFamily="34" charset="0"/>
+            </a:endParaRPr>
+          </a:p>
+        </p:txBody>
+      </p:sp>
+      <p:sp>
+        <p:nvSpPr>
+          <p:cNvPr id="2" name="TextBox 1">
+            <a:extLst>
+              <a:ext uri="{FF2B5EF4-FFF2-40B4-BE49-F238E27FC236}">
+                <a16:creationId xmlns:a16="http://schemas.microsoft.com/office/drawing/2014/main" id="{EBB27306-D97C-B12C-81D0-C034D162C623}"/>
+              </a:ext>
+            </a:extLst>
+          </p:cNvPr>
+          <p:cNvSpPr txBox="1"/>
+          <p:nvPr/>
+        </p:nvSpPr>
+        <p:spPr>
+          <a:xfrm>
+            <a:off x="6756401" y="428178"/>
+            <a:ext cx="3431310" cy="6001643"/>
+          </a:xfrm>
+          <a:prstGeom prst="rect">
+            <a:avLst/>
+          </a:prstGeom>
+          <a:noFill/>
+        </p:spPr>
+        <p:txBody>
+          <a:bodyPr wrap="square">
+            <a:spAutoFit/>
+          </a:bodyPr>
+          <a:lstStyle/>
+          <a:p>
+            <a:pPr indent="269875" algn="ctr">
+              <a:spcBef>
+                <a:spcPts val="600"/>
+              </a:spcBef>
+              <a:spcAft>
+                <a:spcPts val="1200"/>
+              </a:spcAft>
+            </a:pPr>
+            <a:r>
+              <a:rPr lang="en-US" sz="9600" b="1">
+                <a:ln w="57150">
+                  <a:solidFill>
+                    <a:schemeClr val="bg1">
+                      <a:lumMod val="95000"/>
+                    </a:schemeClr>
+                  </a:solidFill>
+                </a:ln>
+                <a:noFill/>
+                <a:effectLst/>
+                <a:latin typeface="Calibri" panose="020F0502020204030204" pitchFamily="34" charset="0"/>
+                <a:ea typeface="Calibri" panose="020F0502020204030204" pitchFamily="34" charset="0"/>
+                <a:cs typeface="Arial" panose="020B0604020202020204" pitchFamily="34" charset="0"/>
+              </a:rPr>
+              <a:t>Quản Lý </a:t>
+            </a:r>
+            <a:r>
+              <a:rPr lang="en-US" sz="9600" b="1">
+                <a:ln w="57150">
+                  <a:noFill/>
+                </a:ln>
+                <a:solidFill>
+                  <a:schemeClr val="bg1"/>
+                </a:solidFill>
+                <a:effectLst/>
+                <a:latin typeface="Calibri" panose="020F0502020204030204" pitchFamily="34" charset="0"/>
+                <a:ea typeface="Calibri" panose="020F0502020204030204" pitchFamily="34" charset="0"/>
+                <a:cs typeface="Arial" panose="020B0604020202020204" pitchFamily="34" charset="0"/>
+              </a:rPr>
+              <a:t>Sinh Viên</a:t>
+            </a:r>
+            <a:endParaRPr lang="vi-VN" sz="9600" b="1">
+              <a:ln w="57150">
+                <a:noFill/>
+              </a:ln>
+              <a:solidFill>
+                <a:schemeClr val="bg1"/>
+              </a:solidFill>
+              <a:effectLst/>
+              <a:latin typeface="Calibri" panose="020F0502020204030204" pitchFamily="34" charset="0"/>
+              <a:ea typeface="Calibri" panose="020F0502020204030204" pitchFamily="34" charset="0"/>
+              <a:cs typeface="Arial" panose="020B0604020202020204" pitchFamily="34" charset="0"/>
+            </a:endParaRPr>
+          </a:p>
+        </p:txBody>
+      </p:sp>
+    </p:spTree>
+    <p:extLst>
+      <p:ext uri="{BB962C8B-B14F-4D97-AF65-F5344CB8AC3E}">
+        <p14:creationId xmlns:p14="http://schemas.microsoft.com/office/powerpoint/2010/main" val="3296089446"/>
+      </p:ext>
+    </p:extLst>
+  </p:cSld>
+  <p:clrMapOvr>
+    <a:masterClrMapping/>
+  </p:clrMapOvr>
+  <mc:AlternateContent xmlns:mc="http://schemas.openxmlformats.org/markup-compatibility/2006">
+    <mc:Choice xmlns:p159="http://schemas.microsoft.com/office/powerpoint/2015/09/main" Requires="p159">
+      <p:transition spd="slow">
+        <p159:morph option="byObject"/>
+      </p:transition>
+    </mc:Choice>
+    <mc:Fallback>
+      <p:transition spd="slow">
+        <p:fade/>
+      </p:transition>
+    </mc:Fallback>
+  </mc:AlternateContent>
+</p:sld>
+</file>
+
+<file path=ppt/slides/slide3.xml><?xml version="1.0" encoding="utf-8"?>
 <p:sld xmlns:a="http://schemas.openxmlformats.org/drawingml/2006/main" xmlns:r="http://schemas.openxmlformats.org/officeDocument/2006/relationships" xmlns:p="http://schemas.openxmlformats.org/presentationml/2006/main">
   <p:cSld>
     <p:bg>
@@ -3746,13 +4930,1008 @@
   <p:clrMapOvr>
     <a:masterClrMapping/>
   </p:clrMapOvr>
-  <mc:AlternateContent xmlns:mc="http://schemas.openxmlformats.org/markup-compatibility/2006" xmlns:p159="http://schemas.microsoft.com/office/powerpoint/2015/09/main">
-    <mc:Choice Requires="p159">
-      <p:transition xmlns:p14="http://schemas.microsoft.com/office/powerpoint/2010/main" spd="slow" p14:dur="2000">
+  <mc:AlternateContent xmlns:mc="http://schemas.openxmlformats.org/markup-compatibility/2006">
+    <mc:Choice xmlns:p159="http://schemas.microsoft.com/office/powerpoint/2015/09/main" Requires="p159">
+      <p:transition spd="slow">
         <p159:morph option="byObject"/>
       </p:transition>
     </mc:Choice>
-    <mc:Fallback xmlns="">
+    <mc:Fallback>
+      <p:transition spd="slow">
+        <p:fade/>
+      </p:transition>
+    </mc:Fallback>
+  </mc:AlternateContent>
+</p:sld>
+</file>
+
+<file path=ppt/slides/slide4.xml><?xml version="1.0" encoding="utf-8"?>
+<p:sld xmlns:a="http://schemas.openxmlformats.org/drawingml/2006/main" xmlns:r="http://schemas.openxmlformats.org/officeDocument/2006/relationships" xmlns:p="http://schemas.openxmlformats.org/presentationml/2006/main">
+  <p:cSld>
+    <p:bg>
+      <p:bgPr>
+        <a:gradFill flip="none" rotWithShape="1">
+          <a:gsLst>
+            <a:gs pos="0">
+              <a:srgbClr val="21D4FD"/>
+            </a:gs>
+            <a:gs pos="92000">
+              <a:srgbClr val="B721FF"/>
+            </a:gs>
+          </a:gsLst>
+          <a:lin ang="8100000" scaled="1"/>
+          <a:tileRect/>
+        </a:gradFill>
+        <a:effectLst/>
+      </p:bgPr>
+    </p:bg>
+    <p:spTree>
+      <p:nvGrpSpPr>
+        <p:cNvPr id="1" name=""/>
+        <p:cNvGrpSpPr/>
+        <p:nvPr/>
+      </p:nvGrpSpPr>
+      <p:grpSpPr>
+        <a:xfrm>
+          <a:off x="0" y="0"/>
+          <a:ext cx="0" cy="0"/>
+          <a:chOff x="0" y="0"/>
+          <a:chExt cx="0" cy="0"/>
+        </a:xfrm>
+      </p:grpSpPr>
+      <p:pic>
+        <p:nvPicPr>
+          <p:cNvPr id="3" name="Picture 2">
+            <a:extLst>
+              <a:ext uri="{FF2B5EF4-FFF2-40B4-BE49-F238E27FC236}">
+                <a16:creationId xmlns:a16="http://schemas.microsoft.com/office/drawing/2014/main" id="{01ECDBDB-8773-587B-FD16-5BB45459ADA3}"/>
+              </a:ext>
+            </a:extLst>
+          </p:cNvPr>
+          <p:cNvPicPr>
+            <a:picLocks noChangeAspect="1"/>
+          </p:cNvPicPr>
+          <p:nvPr/>
+        </p:nvPicPr>
+        <p:blipFill>
+          <a:blip r:embed="rId2">
+            <a:extLst>
+              <a:ext uri="{28A0092B-C50C-407E-A947-70E740481C1C}">
+                <a14:useLocalDpi xmlns:a14="http://schemas.microsoft.com/office/drawing/2010/main" val="0"/>
+              </a:ext>
+            </a:extLst>
+          </a:blip>
+          <a:srcRect/>
+          <a:stretch/>
+        </p:blipFill>
+        <p:spPr>
+          <a:xfrm>
+            <a:off x="505335" y="1139418"/>
+            <a:ext cx="6335009" cy="4579163"/>
+          </a:xfrm>
+          <a:prstGeom prst="rect">
+            <a:avLst/>
+          </a:prstGeom>
+        </p:spPr>
+      </p:pic>
+      <p:sp>
+        <p:nvSpPr>
+          <p:cNvPr id="4" name="TextBox 3">
+            <a:extLst>
+              <a:ext uri="{FF2B5EF4-FFF2-40B4-BE49-F238E27FC236}">
+                <a16:creationId xmlns:a16="http://schemas.microsoft.com/office/drawing/2014/main" id="{752403B0-6FAB-D244-5348-F034813B8FB3}"/>
+              </a:ext>
+            </a:extLst>
+          </p:cNvPr>
+          <p:cNvSpPr txBox="1"/>
+          <p:nvPr/>
+        </p:nvSpPr>
+        <p:spPr>
+          <a:xfrm>
+            <a:off x="7680960" y="1993392"/>
+            <a:ext cx="3803904" cy="3539430"/>
+          </a:xfrm>
+          <a:prstGeom prst="rect">
+            <a:avLst/>
+          </a:prstGeom>
+          <a:noFill/>
+        </p:spPr>
+        <p:txBody>
+          <a:bodyPr wrap="square" rtlCol="0">
+            <a:spAutoFit/>
+          </a:bodyPr>
+          <a:lstStyle/>
+          <a:p>
+            <a:pPr marL="457200" indent="-457200">
+              <a:buFont typeface="Arial" panose="020B0604020202020204" pitchFamily="34" charset="0"/>
+              <a:buChar char="•"/>
+            </a:pPr>
+            <a:r>
+              <a:rPr lang="en-US" sz="2800" b="1">
+                <a:solidFill>
+                  <a:schemeClr val="bg1"/>
+                </a:solidFill>
+              </a:rPr>
+              <a:t>Giao diện của cửa sổ Đăng kí và có vị trí nằm giữa màn hình FullHD</a:t>
+            </a:r>
+          </a:p>
+          <a:p>
+            <a:pPr marL="457200" indent="-457200">
+              <a:buFont typeface="Arial" panose="020B0604020202020204" pitchFamily="34" charset="0"/>
+              <a:buChar char="•"/>
+            </a:pPr>
+            <a:r>
+              <a:rPr lang="en-US" sz="2800" b="1">
+                <a:solidFill>
+                  <a:schemeClr val="bg1"/>
+                </a:solidFill>
+              </a:rPr>
+              <a:t>Có cài thêm chức năng hiển thị mật khẩu</a:t>
+            </a:r>
+          </a:p>
+          <a:p>
+            <a:pPr marL="457200" indent="-457200">
+              <a:buFont typeface="Arial" panose="020B0604020202020204" pitchFamily="34" charset="0"/>
+              <a:buChar char="•"/>
+            </a:pPr>
+            <a:endParaRPr lang="vi-VN" sz="2800" b="1">
+              <a:solidFill>
+                <a:schemeClr val="bg1"/>
+              </a:solidFill>
+            </a:endParaRPr>
+          </a:p>
+        </p:txBody>
+      </p:sp>
+    </p:spTree>
+    <p:extLst>
+      <p:ext uri="{BB962C8B-B14F-4D97-AF65-F5344CB8AC3E}">
+        <p14:creationId xmlns:p14="http://schemas.microsoft.com/office/powerpoint/2010/main" val="1901482117"/>
+      </p:ext>
+    </p:extLst>
+  </p:cSld>
+  <p:clrMapOvr>
+    <a:masterClrMapping/>
+  </p:clrMapOvr>
+  <mc:AlternateContent xmlns:mc="http://schemas.openxmlformats.org/markup-compatibility/2006">
+    <mc:Choice xmlns:p159="http://schemas.microsoft.com/office/powerpoint/2015/09/main" Requires="p159">
+      <p:transition spd="slow">
+        <p159:morph option="byObject"/>
+      </p:transition>
+    </mc:Choice>
+    <mc:Fallback>
+      <p:transition spd="slow">
+        <p:fade/>
+      </p:transition>
+    </mc:Fallback>
+  </mc:AlternateContent>
+</p:sld>
+</file>
+
+<file path=ppt/slides/slide5.xml><?xml version="1.0" encoding="utf-8"?>
+<p:sld xmlns:a="http://schemas.openxmlformats.org/drawingml/2006/main" xmlns:r="http://schemas.openxmlformats.org/officeDocument/2006/relationships" xmlns:p="http://schemas.openxmlformats.org/presentationml/2006/main">
+  <p:cSld>
+    <p:bg>
+      <p:bgPr>
+        <a:gradFill flip="none" rotWithShape="1">
+          <a:gsLst>
+            <a:gs pos="0">
+              <a:srgbClr val="21D4FD"/>
+            </a:gs>
+            <a:gs pos="92000">
+              <a:srgbClr val="B721FF"/>
+            </a:gs>
+          </a:gsLst>
+          <a:lin ang="8100000" scaled="1"/>
+          <a:tileRect/>
+        </a:gradFill>
+        <a:effectLst/>
+      </p:bgPr>
+    </p:bg>
+    <p:spTree>
+      <p:nvGrpSpPr>
+        <p:cNvPr id="1" name=""/>
+        <p:cNvGrpSpPr/>
+        <p:nvPr/>
+      </p:nvGrpSpPr>
+      <p:grpSpPr>
+        <a:xfrm>
+          <a:off x="0" y="0"/>
+          <a:ext cx="0" cy="0"/>
+          <a:chOff x="0" y="0"/>
+          <a:chExt cx="0" cy="0"/>
+        </a:xfrm>
+      </p:grpSpPr>
+      <p:pic>
+        <p:nvPicPr>
+          <p:cNvPr id="3" name="Picture 2">
+            <a:extLst>
+              <a:ext uri="{FF2B5EF4-FFF2-40B4-BE49-F238E27FC236}">
+                <a16:creationId xmlns:a16="http://schemas.microsoft.com/office/drawing/2014/main" id="{01ECDBDB-8773-587B-FD16-5BB45459ADA3}"/>
+              </a:ext>
+            </a:extLst>
+          </p:cNvPr>
+          <p:cNvPicPr>
+            <a:picLocks noChangeAspect="1"/>
+          </p:cNvPicPr>
+          <p:nvPr/>
+        </p:nvPicPr>
+        <p:blipFill>
+          <a:blip r:embed="rId2">
+            <a:extLst>
+              <a:ext uri="{28A0092B-C50C-407E-A947-70E740481C1C}">
+                <a14:useLocalDpi xmlns:a14="http://schemas.microsoft.com/office/drawing/2010/main" val="0"/>
+              </a:ext>
+            </a:extLst>
+          </a:blip>
+          <a:srcRect/>
+          <a:stretch/>
+        </p:blipFill>
+        <p:spPr>
+          <a:xfrm>
+            <a:off x="505335" y="1129441"/>
+            <a:ext cx="6335009" cy="4599117"/>
+          </a:xfrm>
+          <a:prstGeom prst="rect">
+            <a:avLst/>
+          </a:prstGeom>
+        </p:spPr>
+      </p:pic>
+      <p:sp>
+        <p:nvSpPr>
+          <p:cNvPr id="4" name="TextBox 3">
+            <a:extLst>
+              <a:ext uri="{FF2B5EF4-FFF2-40B4-BE49-F238E27FC236}">
+                <a16:creationId xmlns:a16="http://schemas.microsoft.com/office/drawing/2014/main" id="{752403B0-6FAB-D244-5348-F034813B8FB3}"/>
+              </a:ext>
+            </a:extLst>
+          </p:cNvPr>
+          <p:cNvSpPr txBox="1"/>
+          <p:nvPr/>
+        </p:nvSpPr>
+        <p:spPr>
+          <a:xfrm>
+            <a:off x="7635240" y="2011680"/>
+            <a:ext cx="3803904" cy="2677656"/>
+          </a:xfrm>
+          <a:prstGeom prst="rect">
+            <a:avLst/>
+          </a:prstGeom>
+          <a:noFill/>
+        </p:spPr>
+        <p:txBody>
+          <a:bodyPr wrap="square" rtlCol="0">
+            <a:spAutoFit/>
+          </a:bodyPr>
+          <a:lstStyle/>
+          <a:p>
+            <a:pPr marL="457200" indent="-457200">
+              <a:buFont typeface="Arial" panose="020B0604020202020204" pitchFamily="34" charset="0"/>
+              <a:buChar char="•"/>
+            </a:pPr>
+            <a:r>
+              <a:rPr lang="en-US" sz="2800" b="1">
+                <a:solidFill>
+                  <a:schemeClr val="bg1"/>
+                </a:solidFill>
+              </a:rPr>
+              <a:t>Khi đăng kí thành công thì hiển thị hộp thông báo</a:t>
+            </a:r>
+          </a:p>
+          <a:p>
+            <a:pPr marL="457200" indent="-457200">
+              <a:buFont typeface="Arial" panose="020B0604020202020204" pitchFamily="34" charset="0"/>
+              <a:buChar char="•"/>
+            </a:pPr>
+            <a:r>
+              <a:rPr lang="en-US" sz="2800" b="1">
+                <a:solidFill>
+                  <a:schemeClr val="bg1"/>
+                </a:solidFill>
+              </a:rPr>
+              <a:t>Bấm vào “OK” thì sẽ chuyển sang ô đăng kí</a:t>
+            </a:r>
+            <a:endParaRPr lang="vi-VN" sz="2800" b="1">
+              <a:solidFill>
+                <a:schemeClr val="bg1"/>
+              </a:solidFill>
+            </a:endParaRPr>
+          </a:p>
+        </p:txBody>
+      </p:sp>
+    </p:spTree>
+    <p:extLst>
+      <p:ext uri="{BB962C8B-B14F-4D97-AF65-F5344CB8AC3E}">
+        <p14:creationId xmlns:p14="http://schemas.microsoft.com/office/powerpoint/2010/main" val="1352803873"/>
+      </p:ext>
+    </p:extLst>
+  </p:cSld>
+  <p:clrMapOvr>
+    <a:masterClrMapping/>
+  </p:clrMapOvr>
+  <mc:AlternateContent xmlns:mc="http://schemas.openxmlformats.org/markup-compatibility/2006">
+    <mc:Choice xmlns:p159="http://schemas.microsoft.com/office/powerpoint/2015/09/main" Requires="p159">
+      <p:transition spd="slow">
+        <p159:morph option="byObject"/>
+      </p:transition>
+    </mc:Choice>
+    <mc:Fallback>
+      <p:transition spd="slow">
+        <p:fade/>
+      </p:transition>
+    </mc:Fallback>
+  </mc:AlternateContent>
+</p:sld>
+</file>
+
+<file path=ppt/slides/slide6.xml><?xml version="1.0" encoding="utf-8"?>
+<p:sld xmlns:a="http://schemas.openxmlformats.org/drawingml/2006/main" xmlns:r="http://schemas.openxmlformats.org/officeDocument/2006/relationships" xmlns:p="http://schemas.openxmlformats.org/presentationml/2006/main">
+  <p:cSld>
+    <p:bg>
+      <p:bgPr>
+        <a:gradFill flip="none" rotWithShape="1">
+          <a:gsLst>
+            <a:gs pos="0">
+              <a:srgbClr val="21D4FD"/>
+            </a:gs>
+            <a:gs pos="92000">
+              <a:srgbClr val="B721FF"/>
+            </a:gs>
+          </a:gsLst>
+          <a:lin ang="8100000" scaled="1"/>
+          <a:tileRect/>
+        </a:gradFill>
+        <a:effectLst/>
+      </p:bgPr>
+    </p:bg>
+    <p:spTree>
+      <p:nvGrpSpPr>
+        <p:cNvPr id="1" name=""/>
+        <p:cNvGrpSpPr/>
+        <p:nvPr/>
+      </p:nvGrpSpPr>
+      <p:grpSpPr>
+        <a:xfrm>
+          <a:off x="0" y="0"/>
+          <a:ext cx="0" cy="0"/>
+          <a:chOff x="0" y="0"/>
+          <a:chExt cx="0" cy="0"/>
+        </a:xfrm>
+      </p:grpSpPr>
+      <p:pic>
+        <p:nvPicPr>
+          <p:cNvPr id="3" name="Picture 2">
+            <a:extLst>
+              <a:ext uri="{FF2B5EF4-FFF2-40B4-BE49-F238E27FC236}">
+                <a16:creationId xmlns:a16="http://schemas.microsoft.com/office/drawing/2014/main" id="{01ECDBDB-8773-587B-FD16-5BB45459ADA3}"/>
+              </a:ext>
+            </a:extLst>
+          </p:cNvPr>
+          <p:cNvPicPr>
+            <a:picLocks noChangeAspect="1"/>
+          </p:cNvPicPr>
+          <p:nvPr/>
+        </p:nvPicPr>
+        <p:blipFill>
+          <a:blip r:embed="rId2">
+            <a:extLst>
+              <a:ext uri="{28A0092B-C50C-407E-A947-70E740481C1C}">
+                <a14:useLocalDpi xmlns:a14="http://schemas.microsoft.com/office/drawing/2010/main" val="0"/>
+              </a:ext>
+            </a:extLst>
+          </a:blip>
+          <a:srcRect/>
+          <a:stretch/>
+        </p:blipFill>
+        <p:spPr>
+          <a:xfrm>
+            <a:off x="535726" y="1129441"/>
+            <a:ext cx="6274226" cy="4599117"/>
+          </a:xfrm>
+          <a:prstGeom prst="rect">
+            <a:avLst/>
+          </a:prstGeom>
+        </p:spPr>
+      </p:pic>
+      <p:sp>
+        <p:nvSpPr>
+          <p:cNvPr id="4" name="TextBox 3">
+            <a:extLst>
+              <a:ext uri="{FF2B5EF4-FFF2-40B4-BE49-F238E27FC236}">
+                <a16:creationId xmlns:a16="http://schemas.microsoft.com/office/drawing/2014/main" id="{752403B0-6FAB-D244-5348-F034813B8FB3}"/>
+              </a:ext>
+            </a:extLst>
+          </p:cNvPr>
+          <p:cNvSpPr txBox="1"/>
+          <p:nvPr/>
+        </p:nvSpPr>
+        <p:spPr>
+          <a:xfrm>
+            <a:off x="7635240" y="2011680"/>
+            <a:ext cx="3803904" cy="2677656"/>
+          </a:xfrm>
+          <a:prstGeom prst="rect">
+            <a:avLst/>
+          </a:prstGeom>
+          <a:noFill/>
+        </p:spPr>
+        <p:txBody>
+          <a:bodyPr wrap="square" rtlCol="0">
+            <a:spAutoFit/>
+          </a:bodyPr>
+          <a:lstStyle/>
+          <a:p>
+            <a:pPr marL="457200" indent="-457200">
+              <a:buFont typeface="Arial" panose="020B0604020202020204" pitchFamily="34" charset="0"/>
+              <a:buChar char="•"/>
+            </a:pPr>
+            <a:r>
+              <a:rPr lang="en-US" sz="2800" b="1">
+                <a:solidFill>
+                  <a:schemeClr val="bg1"/>
+                </a:solidFill>
+              </a:rPr>
+              <a:t>Khi đăng nhập thành công thì hiển thị hộp thông báo</a:t>
+            </a:r>
+          </a:p>
+          <a:p>
+            <a:pPr marL="457200" indent="-457200">
+              <a:buFont typeface="Arial" panose="020B0604020202020204" pitchFamily="34" charset="0"/>
+              <a:buChar char="•"/>
+            </a:pPr>
+            <a:r>
+              <a:rPr lang="en-US" sz="2800" b="1">
+                <a:solidFill>
+                  <a:schemeClr val="bg1"/>
+                </a:solidFill>
+              </a:rPr>
+              <a:t>Bấm vào “OK” thì sẽ chuyển sang cửa sổ quản lý</a:t>
+            </a:r>
+            <a:endParaRPr lang="vi-VN" sz="2800" b="1">
+              <a:solidFill>
+                <a:schemeClr val="bg1"/>
+              </a:solidFill>
+            </a:endParaRPr>
+          </a:p>
+        </p:txBody>
+      </p:sp>
+    </p:spTree>
+    <p:extLst>
+      <p:ext uri="{BB962C8B-B14F-4D97-AF65-F5344CB8AC3E}">
+        <p14:creationId xmlns:p14="http://schemas.microsoft.com/office/powerpoint/2010/main" val="1543478469"/>
+      </p:ext>
+    </p:extLst>
+  </p:cSld>
+  <p:clrMapOvr>
+    <a:masterClrMapping/>
+  </p:clrMapOvr>
+  <mc:AlternateContent xmlns:mc="http://schemas.openxmlformats.org/markup-compatibility/2006">
+    <mc:Choice xmlns:p159="http://schemas.microsoft.com/office/powerpoint/2015/09/main" Requires="p159">
+      <p:transition spd="slow">
+        <p159:morph option="byObject"/>
+      </p:transition>
+    </mc:Choice>
+    <mc:Fallback>
+      <p:transition spd="slow">
+        <p:fade/>
+      </p:transition>
+    </mc:Fallback>
+  </mc:AlternateContent>
+</p:sld>
+</file>
+
+<file path=ppt/slides/slide7.xml><?xml version="1.0" encoding="utf-8"?>
+<p:sld xmlns:a="http://schemas.openxmlformats.org/drawingml/2006/main" xmlns:r="http://schemas.openxmlformats.org/officeDocument/2006/relationships" xmlns:p="http://schemas.openxmlformats.org/presentationml/2006/main">
+  <p:cSld>
+    <p:bg>
+      <p:bgPr>
+        <a:gradFill flip="none" rotWithShape="1">
+          <a:gsLst>
+            <a:gs pos="0">
+              <a:srgbClr val="21D4FD"/>
+            </a:gs>
+            <a:gs pos="92000">
+              <a:srgbClr val="B721FF"/>
+            </a:gs>
+          </a:gsLst>
+          <a:lin ang="8100000" scaled="1"/>
+          <a:tileRect/>
+        </a:gradFill>
+        <a:effectLst/>
+      </p:bgPr>
+    </p:bg>
+    <p:spTree>
+      <p:nvGrpSpPr>
+        <p:cNvPr id="1" name=""/>
+        <p:cNvGrpSpPr/>
+        <p:nvPr/>
+      </p:nvGrpSpPr>
+      <p:grpSpPr>
+        <a:xfrm>
+          <a:off x="0" y="0"/>
+          <a:ext cx="0" cy="0"/>
+          <a:chOff x="0" y="0"/>
+          <a:chExt cx="0" cy="0"/>
+        </a:xfrm>
+      </p:grpSpPr>
+      <p:pic>
+        <p:nvPicPr>
+          <p:cNvPr id="5" name="Picture 4">
+            <a:extLst>
+              <a:ext uri="{FF2B5EF4-FFF2-40B4-BE49-F238E27FC236}">
+                <a16:creationId xmlns:a16="http://schemas.microsoft.com/office/drawing/2014/main" id="{431959D6-4753-2BD4-065A-F7D82C894378}"/>
+              </a:ext>
+            </a:extLst>
+          </p:cNvPr>
+          <p:cNvPicPr>
+            <a:picLocks noChangeAspect="1"/>
+          </p:cNvPicPr>
+          <p:nvPr/>
+        </p:nvPicPr>
+        <p:blipFill>
+          <a:blip r:embed="rId2"/>
+          <a:stretch>
+            <a:fillRect/>
+          </a:stretch>
+        </p:blipFill>
+        <p:spPr>
+          <a:xfrm>
+            <a:off x="957072" y="1371317"/>
+            <a:ext cx="10277856" cy="5349373"/>
+          </a:xfrm>
+          <a:prstGeom prst="rect">
+            <a:avLst/>
+          </a:prstGeom>
+        </p:spPr>
+      </p:pic>
+      <p:sp>
+        <p:nvSpPr>
+          <p:cNvPr id="6" name="TextBox 5">
+            <a:extLst>
+              <a:ext uri="{FF2B5EF4-FFF2-40B4-BE49-F238E27FC236}">
+                <a16:creationId xmlns:a16="http://schemas.microsoft.com/office/drawing/2014/main" id="{C1F145EF-74CE-3394-B9E8-7FFAE8DC8206}"/>
+              </a:ext>
+            </a:extLst>
+          </p:cNvPr>
+          <p:cNvSpPr txBox="1"/>
+          <p:nvPr/>
+        </p:nvSpPr>
+        <p:spPr>
+          <a:xfrm>
+            <a:off x="3375660" y="502920"/>
+            <a:ext cx="5440680" cy="646331"/>
+          </a:xfrm>
+          <a:prstGeom prst="rect">
+            <a:avLst/>
+          </a:prstGeom>
+          <a:noFill/>
+        </p:spPr>
+        <p:txBody>
+          <a:bodyPr wrap="square" rtlCol="0">
+            <a:spAutoFit/>
+          </a:bodyPr>
+          <a:lstStyle/>
+          <a:p>
+            <a:pPr algn="ctr"/>
+            <a:r>
+              <a:rPr lang="en-US" sz="3600" b="1">
+                <a:solidFill>
+                  <a:schemeClr val="bg1"/>
+                </a:solidFill>
+              </a:rPr>
+              <a:t>Cửa sổ quản lý sinh viên</a:t>
+            </a:r>
+            <a:endParaRPr lang="vi-VN" sz="3600" b="1">
+              <a:solidFill>
+                <a:schemeClr val="bg1"/>
+              </a:solidFill>
+            </a:endParaRPr>
+          </a:p>
+        </p:txBody>
+      </p:sp>
+    </p:spTree>
+    <p:extLst>
+      <p:ext uri="{BB962C8B-B14F-4D97-AF65-F5344CB8AC3E}">
+        <p14:creationId xmlns:p14="http://schemas.microsoft.com/office/powerpoint/2010/main" val="2091284549"/>
+      </p:ext>
+    </p:extLst>
+  </p:cSld>
+  <p:clrMapOvr>
+    <a:masterClrMapping/>
+  </p:clrMapOvr>
+  <mc:AlternateContent xmlns:mc="http://schemas.openxmlformats.org/markup-compatibility/2006">
+    <mc:Choice xmlns:p159="http://schemas.microsoft.com/office/powerpoint/2015/09/main" Requires="p159">
+      <p:transition spd="slow">
+        <p159:morph option="byObject"/>
+      </p:transition>
+    </mc:Choice>
+    <mc:Fallback>
+      <p:transition spd="slow">
+        <p:fade/>
+      </p:transition>
+    </mc:Fallback>
+  </mc:AlternateContent>
+</p:sld>
+</file>
+
+<file path=ppt/slides/slide8.xml><?xml version="1.0" encoding="utf-8"?>
+<p:sld xmlns:a="http://schemas.openxmlformats.org/drawingml/2006/main" xmlns:r="http://schemas.openxmlformats.org/officeDocument/2006/relationships" xmlns:p="http://schemas.openxmlformats.org/presentationml/2006/main">
+  <p:cSld>
+    <p:bg>
+      <p:bgPr>
+        <a:gradFill flip="none" rotWithShape="1">
+          <a:gsLst>
+            <a:gs pos="0">
+              <a:srgbClr val="21D4FD"/>
+            </a:gs>
+            <a:gs pos="92000">
+              <a:srgbClr val="B721FF"/>
+            </a:gs>
+          </a:gsLst>
+          <a:lin ang="8100000" scaled="1"/>
+          <a:tileRect/>
+        </a:gradFill>
+        <a:effectLst/>
+      </p:bgPr>
+    </p:bg>
+    <p:spTree>
+      <p:nvGrpSpPr>
+        <p:cNvPr id="1" name=""/>
+        <p:cNvGrpSpPr/>
+        <p:nvPr/>
+      </p:nvGrpSpPr>
+      <p:grpSpPr>
+        <a:xfrm>
+          <a:off x="0" y="0"/>
+          <a:ext cx="0" cy="0"/>
+          <a:chOff x="0" y="0"/>
+          <a:chExt cx="0" cy="0"/>
+        </a:xfrm>
+      </p:grpSpPr>
+      <p:pic>
+        <p:nvPicPr>
+          <p:cNvPr id="5" name="Picture 4">
+            <a:extLst>
+              <a:ext uri="{FF2B5EF4-FFF2-40B4-BE49-F238E27FC236}">
+                <a16:creationId xmlns:a16="http://schemas.microsoft.com/office/drawing/2014/main" id="{431959D6-4753-2BD4-065A-F7D82C894378}"/>
+              </a:ext>
+            </a:extLst>
+          </p:cNvPr>
+          <p:cNvPicPr>
+            <a:picLocks noChangeAspect="1"/>
+          </p:cNvPicPr>
+          <p:nvPr/>
+        </p:nvPicPr>
+        <p:blipFill rotWithShape="1">
+          <a:blip r:embed="rId2"/>
+          <a:srcRect l="17374" t="4970" r="17374" b="32039"/>
+          <a:stretch/>
+        </p:blipFill>
+        <p:spPr>
+          <a:xfrm>
+            <a:off x="957072" y="3429000"/>
+            <a:ext cx="10277856" cy="5164033"/>
+          </a:xfrm>
+          <a:prstGeom prst="rect">
+            <a:avLst/>
+          </a:prstGeom>
+        </p:spPr>
+      </p:pic>
+      <p:sp>
+        <p:nvSpPr>
+          <p:cNvPr id="6" name="TextBox 5">
+            <a:extLst>
+              <a:ext uri="{FF2B5EF4-FFF2-40B4-BE49-F238E27FC236}">
+                <a16:creationId xmlns:a16="http://schemas.microsoft.com/office/drawing/2014/main" id="{C1F145EF-74CE-3394-B9E8-7FFAE8DC8206}"/>
+              </a:ext>
+            </a:extLst>
+          </p:cNvPr>
+          <p:cNvSpPr txBox="1"/>
+          <p:nvPr/>
+        </p:nvSpPr>
+        <p:spPr>
+          <a:xfrm>
+            <a:off x="3704844" y="868680"/>
+            <a:ext cx="5440680" cy="646331"/>
+          </a:xfrm>
+          <a:prstGeom prst="rect">
+            <a:avLst/>
+          </a:prstGeom>
+          <a:noFill/>
+        </p:spPr>
+        <p:txBody>
+          <a:bodyPr wrap="square" rtlCol="0">
+            <a:spAutoFit/>
+          </a:bodyPr>
+          <a:lstStyle/>
+          <a:p>
+            <a:pPr algn="ctr"/>
+            <a:r>
+              <a:rPr lang="en-US" sz="3600" b="1">
+                <a:solidFill>
+                  <a:schemeClr val="bg1"/>
+                </a:solidFill>
+              </a:rPr>
+              <a:t>Phần tiêu đề của app</a:t>
+            </a:r>
+            <a:endParaRPr lang="vi-VN" sz="3600" b="1">
+              <a:solidFill>
+                <a:schemeClr val="bg1"/>
+              </a:solidFill>
+            </a:endParaRPr>
+          </a:p>
+        </p:txBody>
+      </p:sp>
+      <p:sp>
+        <p:nvSpPr>
+          <p:cNvPr id="2" name="TextBox 1">
+            <a:extLst>
+              <a:ext uri="{FF2B5EF4-FFF2-40B4-BE49-F238E27FC236}">
+                <a16:creationId xmlns:a16="http://schemas.microsoft.com/office/drawing/2014/main" id="{C9E8BEA5-A81A-228D-572C-4EFD7A659C83}"/>
+              </a:ext>
+            </a:extLst>
+          </p:cNvPr>
+          <p:cNvSpPr txBox="1"/>
+          <p:nvPr/>
+        </p:nvSpPr>
+        <p:spPr>
+          <a:xfrm>
+            <a:off x="4059936" y="2179165"/>
+            <a:ext cx="4617720" cy="954107"/>
+          </a:xfrm>
+          <a:prstGeom prst="rect">
+            <a:avLst/>
+          </a:prstGeom>
+          <a:noFill/>
+        </p:spPr>
+        <p:txBody>
+          <a:bodyPr wrap="square" rtlCol="0">
+            <a:spAutoFit/>
+          </a:bodyPr>
+          <a:lstStyle/>
+          <a:p>
+            <a:pPr algn="ctr"/>
+            <a:r>
+              <a:rPr lang="en-US" sz="2800">
+                <a:solidFill>
+                  <a:schemeClr val="bg1"/>
+                </a:solidFill>
+              </a:rPr>
+              <a:t>Sử dụng một Panel để làm nền và cố định nó ở trên cùng</a:t>
+            </a:r>
+            <a:endParaRPr lang="vi-VN" sz="2800">
+              <a:solidFill>
+                <a:schemeClr val="bg1"/>
+              </a:solidFill>
+            </a:endParaRPr>
+          </a:p>
+        </p:txBody>
+      </p:sp>
+    </p:spTree>
+    <p:extLst>
+      <p:ext uri="{BB962C8B-B14F-4D97-AF65-F5344CB8AC3E}">
+        <p14:creationId xmlns:p14="http://schemas.microsoft.com/office/powerpoint/2010/main" val="587774029"/>
+      </p:ext>
+    </p:extLst>
+  </p:cSld>
+  <p:clrMapOvr>
+    <a:masterClrMapping/>
+  </p:clrMapOvr>
+  <mc:AlternateContent xmlns:mc="http://schemas.openxmlformats.org/markup-compatibility/2006">
+    <mc:Choice xmlns:p159="http://schemas.microsoft.com/office/powerpoint/2015/09/main" Requires="p159">
+      <p:transition spd="slow">
+        <p159:morph option="byObject"/>
+      </p:transition>
+    </mc:Choice>
+    <mc:Fallback>
+      <p:transition spd="slow">
+        <p:fade/>
+      </p:transition>
+    </mc:Fallback>
+  </mc:AlternateContent>
+</p:sld>
+</file>
+
+<file path=ppt/slides/slide9.xml><?xml version="1.0" encoding="utf-8"?>
+<p:sld xmlns:a="http://schemas.openxmlformats.org/drawingml/2006/main" xmlns:r="http://schemas.openxmlformats.org/officeDocument/2006/relationships" xmlns:p="http://schemas.openxmlformats.org/presentationml/2006/main">
+  <p:cSld>
+    <p:bg>
+      <p:bgPr>
+        <a:gradFill flip="none" rotWithShape="1">
+          <a:gsLst>
+            <a:gs pos="0">
+              <a:srgbClr val="21D4FD"/>
+            </a:gs>
+            <a:gs pos="92000">
+              <a:srgbClr val="B721FF"/>
+            </a:gs>
+          </a:gsLst>
+          <a:lin ang="8100000" scaled="1"/>
+          <a:tileRect/>
+        </a:gradFill>
+        <a:effectLst/>
+      </p:bgPr>
+    </p:bg>
+    <p:spTree>
+      <p:nvGrpSpPr>
+        <p:cNvPr id="1" name=""/>
+        <p:cNvGrpSpPr/>
+        <p:nvPr/>
+      </p:nvGrpSpPr>
+      <p:grpSpPr>
+        <a:xfrm>
+          <a:off x="0" y="0"/>
+          <a:ext cx="0" cy="0"/>
+          <a:chOff x="0" y="0"/>
+          <a:chExt cx="0" cy="0"/>
+        </a:xfrm>
+      </p:grpSpPr>
+      <p:pic>
+        <p:nvPicPr>
+          <p:cNvPr id="5" name="Picture 4">
+            <a:extLst>
+              <a:ext uri="{FF2B5EF4-FFF2-40B4-BE49-F238E27FC236}">
+                <a16:creationId xmlns:a16="http://schemas.microsoft.com/office/drawing/2014/main" id="{431959D6-4753-2BD4-065A-F7D82C894378}"/>
+              </a:ext>
+            </a:extLst>
+          </p:cNvPr>
+          <p:cNvPicPr>
+            <a:picLocks noChangeAspect="1"/>
+          </p:cNvPicPr>
+          <p:nvPr/>
+        </p:nvPicPr>
+        <p:blipFill rotWithShape="1">
+          <a:blip r:embed="rId2"/>
+          <a:srcRect l="361" t="15395" r="64513" b="1233"/>
+          <a:stretch/>
+        </p:blipFill>
+        <p:spPr>
+          <a:xfrm>
+            <a:off x="150510" y="99341"/>
+            <a:ext cx="5327030" cy="6581115"/>
+          </a:xfrm>
+          <a:prstGeom prst="rect">
+            <a:avLst/>
+          </a:prstGeom>
+        </p:spPr>
+      </p:pic>
+      <p:sp>
+        <p:nvSpPr>
+          <p:cNvPr id="6" name="TextBox 5">
+            <a:extLst>
+              <a:ext uri="{FF2B5EF4-FFF2-40B4-BE49-F238E27FC236}">
+                <a16:creationId xmlns:a16="http://schemas.microsoft.com/office/drawing/2014/main" id="{C1F145EF-74CE-3394-B9E8-7FFAE8DC8206}"/>
+              </a:ext>
+            </a:extLst>
+          </p:cNvPr>
+          <p:cNvSpPr txBox="1"/>
+          <p:nvPr/>
+        </p:nvSpPr>
+        <p:spPr>
+          <a:xfrm>
+            <a:off x="5957316" y="816088"/>
+            <a:ext cx="5440680" cy="1200329"/>
+          </a:xfrm>
+          <a:prstGeom prst="rect">
+            <a:avLst/>
+          </a:prstGeom>
+          <a:noFill/>
+        </p:spPr>
+        <p:txBody>
+          <a:bodyPr wrap="square" rtlCol="0">
+            <a:spAutoFit/>
+          </a:bodyPr>
+          <a:lstStyle/>
+          <a:p>
+            <a:pPr algn="ctr"/>
+            <a:r>
+              <a:rPr lang="en-US" sz="3600" b="1">
+                <a:solidFill>
+                  <a:schemeClr val="bg1"/>
+                </a:solidFill>
+              </a:rPr>
+              <a:t>Phần điền thông tin của app</a:t>
+            </a:r>
+            <a:endParaRPr lang="vi-VN" sz="3600" b="1">
+              <a:solidFill>
+                <a:schemeClr val="bg1"/>
+              </a:solidFill>
+            </a:endParaRPr>
+          </a:p>
+        </p:txBody>
+      </p:sp>
+      <p:sp>
+        <p:nvSpPr>
+          <p:cNvPr id="2" name="TextBox 1">
+            <a:extLst>
+              <a:ext uri="{FF2B5EF4-FFF2-40B4-BE49-F238E27FC236}">
+                <a16:creationId xmlns:a16="http://schemas.microsoft.com/office/drawing/2014/main" id="{C9E8BEA5-A81A-228D-572C-4EFD7A659C83}"/>
+              </a:ext>
+            </a:extLst>
+          </p:cNvPr>
+          <p:cNvSpPr txBox="1"/>
+          <p:nvPr/>
+        </p:nvSpPr>
+        <p:spPr>
+          <a:xfrm>
+            <a:off x="6460236" y="3106265"/>
+            <a:ext cx="4617720" cy="2677656"/>
+          </a:xfrm>
+          <a:prstGeom prst="rect">
+            <a:avLst/>
+          </a:prstGeom>
+          <a:noFill/>
+        </p:spPr>
+        <p:txBody>
+          <a:bodyPr wrap="square" rtlCol="0">
+            <a:spAutoFit/>
+          </a:bodyPr>
+          <a:lstStyle/>
+          <a:p>
+            <a:pPr marL="457200" indent="-457200">
+              <a:buFont typeface="Arial" panose="020B0604020202020204" pitchFamily="34" charset="0"/>
+              <a:buChar char="•"/>
+            </a:pPr>
+            <a:r>
+              <a:rPr lang="en-US" sz="2800">
+                <a:solidFill>
+                  <a:schemeClr val="bg1"/>
+                </a:solidFill>
+              </a:rPr>
+              <a:t>Sử dụng các TextFied để làm ô nhập</a:t>
+            </a:r>
+          </a:p>
+          <a:p>
+            <a:pPr marL="457200" indent="-457200">
+              <a:buFont typeface="Arial" panose="020B0604020202020204" pitchFamily="34" charset="0"/>
+              <a:buChar char="•"/>
+            </a:pPr>
+            <a:r>
+              <a:rPr lang="en-US" sz="2800">
+                <a:solidFill>
+                  <a:schemeClr val="bg1"/>
+                </a:solidFill>
+              </a:rPr>
+              <a:t>Dùng Jlabel để ghi các nhãn</a:t>
+            </a:r>
+          </a:p>
+          <a:p>
+            <a:pPr marL="457200" indent="-457200">
+              <a:buFont typeface="Arial" panose="020B0604020202020204" pitchFamily="34" charset="0"/>
+              <a:buChar char="•"/>
+            </a:pPr>
+            <a:r>
+              <a:rPr lang="en-US" sz="2800">
+                <a:solidFill>
+                  <a:schemeClr val="bg1"/>
+                </a:solidFill>
+              </a:rPr>
+              <a:t>Dùng JButton thực hiện các chức năng</a:t>
+            </a:r>
+            <a:endParaRPr lang="vi-VN" sz="2800">
+              <a:solidFill>
+                <a:schemeClr val="bg1"/>
+              </a:solidFill>
+            </a:endParaRPr>
+          </a:p>
+        </p:txBody>
+      </p:sp>
+    </p:spTree>
+    <p:extLst>
+      <p:ext uri="{BB962C8B-B14F-4D97-AF65-F5344CB8AC3E}">
+        <p14:creationId xmlns:p14="http://schemas.microsoft.com/office/powerpoint/2010/main" val="1179657685"/>
+      </p:ext>
+    </p:extLst>
+  </p:cSld>
+  <p:clrMapOvr>
+    <a:masterClrMapping/>
+  </p:clrMapOvr>
+  <mc:AlternateContent xmlns:mc="http://schemas.openxmlformats.org/markup-compatibility/2006">
+    <mc:Choice xmlns:p159="http://schemas.microsoft.com/office/powerpoint/2015/09/main" Requires="p159">
+      <p:transition spd="slow">
+        <p159:morph option="byObject"/>
+      </p:transition>
+    </mc:Choice>
+    <mc:Fallback>
       <p:transition spd="slow">
         <p:fade/>
       </p:transition>

--- a/KTGK_63133615/KTGK_63133615.pptx
+++ b/KTGK_63133615/KTGK_63133615.pptx
@@ -343,13 +343,13 @@
   <p:clrMapOvr>
     <a:masterClrMapping/>
   </p:clrMapOvr>
-  <mc:AlternateContent xmlns:mc="http://schemas.openxmlformats.org/markup-compatibility/2006">
-    <mc:Choice xmlns:p159="http://schemas.microsoft.com/office/powerpoint/2015/09/main" Requires="p159">
+  <mc:AlternateContent xmlns:mc="http://schemas.openxmlformats.org/markup-compatibility/2006" xmlns:p159="http://schemas.microsoft.com/office/powerpoint/2015/09/main">
+    <mc:Choice Requires="p159">
       <p:transition spd="slow">
         <p159:morph option="byObject"/>
       </p:transition>
     </mc:Choice>
-    <mc:Fallback>
+    <mc:Fallback xmlns="">
       <p:transition spd="slow">
         <p:fade/>
       </p:transition>
@@ -555,13 +555,13 @@
   <p:clrMapOvr>
     <a:masterClrMapping/>
   </p:clrMapOvr>
-  <mc:AlternateContent xmlns:mc="http://schemas.openxmlformats.org/markup-compatibility/2006">
-    <mc:Choice xmlns:p159="http://schemas.microsoft.com/office/powerpoint/2015/09/main" Requires="p159">
+  <mc:AlternateContent xmlns:mc="http://schemas.openxmlformats.org/markup-compatibility/2006" xmlns:p159="http://schemas.microsoft.com/office/powerpoint/2015/09/main">
+    <mc:Choice Requires="p159">
       <p:transition spd="slow">
         <p159:morph option="byObject"/>
       </p:transition>
     </mc:Choice>
-    <mc:Fallback>
+    <mc:Fallback xmlns="">
       <p:transition spd="slow">
         <p:fade/>
       </p:transition>
@@ -777,13 +777,13 @@
   <p:clrMapOvr>
     <a:masterClrMapping/>
   </p:clrMapOvr>
-  <mc:AlternateContent xmlns:mc="http://schemas.openxmlformats.org/markup-compatibility/2006">
-    <mc:Choice xmlns:p159="http://schemas.microsoft.com/office/powerpoint/2015/09/main" Requires="p159">
+  <mc:AlternateContent xmlns:mc="http://schemas.openxmlformats.org/markup-compatibility/2006" xmlns:p159="http://schemas.microsoft.com/office/powerpoint/2015/09/main">
+    <mc:Choice Requires="p159">
       <p:transition spd="slow">
         <p159:morph option="byObject"/>
       </p:transition>
     </mc:Choice>
-    <mc:Fallback>
+    <mc:Fallback xmlns="">
       <p:transition spd="slow">
         <p:fade/>
       </p:transition>
@@ -989,13 +989,13 @@
   <p:clrMapOvr>
     <a:masterClrMapping/>
   </p:clrMapOvr>
-  <mc:AlternateContent xmlns:mc="http://schemas.openxmlformats.org/markup-compatibility/2006">
-    <mc:Choice xmlns:p159="http://schemas.microsoft.com/office/powerpoint/2015/09/main" Requires="p159">
+  <mc:AlternateContent xmlns:mc="http://schemas.openxmlformats.org/markup-compatibility/2006" xmlns:p159="http://schemas.microsoft.com/office/powerpoint/2015/09/main">
+    <mc:Choice Requires="p159">
       <p:transition spd="slow">
         <p159:morph option="byObject"/>
       </p:transition>
     </mc:Choice>
-    <mc:Fallback>
+    <mc:Fallback xmlns="">
       <p:transition spd="slow">
         <p:fade/>
       </p:transition>
@@ -1277,13 +1277,13 @@
   <p:clrMapOvr>
     <a:masterClrMapping/>
   </p:clrMapOvr>
-  <mc:AlternateContent xmlns:mc="http://schemas.openxmlformats.org/markup-compatibility/2006">
-    <mc:Choice xmlns:p159="http://schemas.microsoft.com/office/powerpoint/2015/09/main" Requires="p159">
+  <mc:AlternateContent xmlns:mc="http://schemas.openxmlformats.org/markup-compatibility/2006" xmlns:p159="http://schemas.microsoft.com/office/powerpoint/2015/09/main">
+    <mc:Choice Requires="p159">
       <p:transition spd="slow">
         <p159:morph option="byObject"/>
       </p:transition>
     </mc:Choice>
-    <mc:Fallback>
+    <mc:Fallback xmlns="">
       <p:transition spd="slow">
         <p:fade/>
       </p:transition>
@@ -1557,13 +1557,13 @@
   <p:clrMapOvr>
     <a:masterClrMapping/>
   </p:clrMapOvr>
-  <mc:AlternateContent xmlns:mc="http://schemas.openxmlformats.org/markup-compatibility/2006">
-    <mc:Choice xmlns:p159="http://schemas.microsoft.com/office/powerpoint/2015/09/main" Requires="p159">
+  <mc:AlternateContent xmlns:mc="http://schemas.openxmlformats.org/markup-compatibility/2006" xmlns:p159="http://schemas.microsoft.com/office/powerpoint/2015/09/main">
+    <mc:Choice Requires="p159">
       <p:transition spd="slow">
         <p159:morph option="byObject"/>
       </p:transition>
     </mc:Choice>
-    <mc:Fallback>
+    <mc:Fallback xmlns="">
       <p:transition spd="slow">
         <p:fade/>
       </p:transition>
@@ -1984,13 +1984,13 @@
   <p:clrMapOvr>
     <a:masterClrMapping/>
   </p:clrMapOvr>
-  <mc:AlternateContent xmlns:mc="http://schemas.openxmlformats.org/markup-compatibility/2006">
-    <mc:Choice xmlns:p159="http://schemas.microsoft.com/office/powerpoint/2015/09/main" Requires="p159">
+  <mc:AlternateContent xmlns:mc="http://schemas.openxmlformats.org/markup-compatibility/2006" xmlns:p159="http://schemas.microsoft.com/office/powerpoint/2015/09/main">
+    <mc:Choice Requires="p159">
       <p:transition spd="slow">
         <p159:morph option="byObject"/>
       </p:transition>
     </mc:Choice>
-    <mc:Fallback>
+    <mc:Fallback xmlns="">
       <p:transition spd="slow">
         <p:fade/>
       </p:transition>
@@ -2138,13 +2138,13 @@
   <p:clrMapOvr>
     <a:masterClrMapping/>
   </p:clrMapOvr>
-  <mc:AlternateContent xmlns:mc="http://schemas.openxmlformats.org/markup-compatibility/2006">
-    <mc:Choice xmlns:p159="http://schemas.microsoft.com/office/powerpoint/2015/09/main" Requires="p159">
+  <mc:AlternateContent xmlns:mc="http://schemas.openxmlformats.org/markup-compatibility/2006" xmlns:p159="http://schemas.microsoft.com/office/powerpoint/2015/09/main">
+    <mc:Choice Requires="p159">
       <p:transition spd="slow">
         <p159:morph option="byObject"/>
       </p:transition>
     </mc:Choice>
-    <mc:Fallback>
+    <mc:Fallback xmlns="">
       <p:transition spd="slow">
         <p:fade/>
       </p:transition>
@@ -2263,13 +2263,13 @@
   <p:clrMapOvr>
     <a:masterClrMapping/>
   </p:clrMapOvr>
-  <mc:AlternateContent xmlns:mc="http://schemas.openxmlformats.org/markup-compatibility/2006">
-    <mc:Choice xmlns:p159="http://schemas.microsoft.com/office/powerpoint/2015/09/main" Requires="p159">
+  <mc:AlternateContent xmlns:mc="http://schemas.openxmlformats.org/markup-compatibility/2006" xmlns:p159="http://schemas.microsoft.com/office/powerpoint/2015/09/main">
+    <mc:Choice Requires="p159">
       <p:transition spd="slow">
         <p159:morph option="byObject"/>
       </p:transition>
     </mc:Choice>
-    <mc:Fallback>
+    <mc:Fallback xmlns="">
       <p:transition spd="slow">
         <p:fade/>
       </p:transition>
@@ -2588,13 +2588,13 @@
   <p:clrMapOvr>
     <a:masterClrMapping/>
   </p:clrMapOvr>
-  <mc:AlternateContent xmlns:mc="http://schemas.openxmlformats.org/markup-compatibility/2006">
-    <mc:Choice xmlns:p159="http://schemas.microsoft.com/office/powerpoint/2015/09/main" Requires="p159">
+  <mc:AlternateContent xmlns:mc="http://schemas.openxmlformats.org/markup-compatibility/2006" xmlns:p159="http://schemas.microsoft.com/office/powerpoint/2015/09/main">
+    <mc:Choice Requires="p159">
       <p:transition spd="slow">
         <p159:morph option="byObject"/>
       </p:transition>
     </mc:Choice>
-    <mc:Fallback>
+    <mc:Fallback xmlns="">
       <p:transition spd="slow">
         <p:fade/>
       </p:transition>
@@ -2889,13 +2889,13 @@
   <p:clrMapOvr>
     <a:masterClrMapping/>
   </p:clrMapOvr>
-  <mc:AlternateContent xmlns:mc="http://schemas.openxmlformats.org/markup-compatibility/2006">
-    <mc:Choice xmlns:p159="http://schemas.microsoft.com/office/powerpoint/2015/09/main" Requires="p159">
+  <mc:AlternateContent xmlns:mc="http://schemas.openxmlformats.org/markup-compatibility/2006" xmlns:p159="http://schemas.microsoft.com/office/powerpoint/2015/09/main">
+    <mc:Choice Requires="p159">
       <p:transition spd="slow">
         <p159:morph option="byObject"/>
       </p:transition>
     </mc:Choice>
-    <mc:Fallback>
+    <mc:Fallback xmlns="">
       <p:transition spd="slow">
         <p:fade/>
       </p:transition>
@@ -3191,13 +3191,13 @@
     <p:sldLayoutId id="2147483658" r:id="rId10"/>
     <p:sldLayoutId id="2147483659" r:id="rId11"/>
   </p:sldLayoutIdLst>
-  <mc:AlternateContent xmlns:mc="http://schemas.openxmlformats.org/markup-compatibility/2006">
-    <mc:Choice xmlns:p159="http://schemas.microsoft.com/office/powerpoint/2015/09/main" Requires="p159">
+  <mc:AlternateContent xmlns:mc="http://schemas.openxmlformats.org/markup-compatibility/2006" xmlns:p159="http://schemas.microsoft.com/office/powerpoint/2015/09/main">
+    <mc:Choice Requires="p159">
       <p:transition spd="slow">
         <p159:morph option="byObject"/>
       </p:transition>
     </mc:Choice>
-    <mc:Fallback>
+    <mc:Fallback xmlns="">
       <p:transition spd="slow">
         <p:fade/>
       </p:transition>
@@ -3687,13 +3687,13 @@
   <p:clrMapOvr>
     <a:masterClrMapping/>
   </p:clrMapOvr>
-  <mc:AlternateContent xmlns:mc="http://schemas.openxmlformats.org/markup-compatibility/2006">
-    <mc:Choice xmlns:p159="http://schemas.microsoft.com/office/powerpoint/2015/09/main" Requires="p159">
+  <mc:AlternateContent xmlns:mc="http://schemas.openxmlformats.org/markup-compatibility/2006" xmlns:p159="http://schemas.microsoft.com/office/powerpoint/2015/09/main">
+    <mc:Choice Requires="p159">
       <p:transition spd="slow">
         <p159:morph option="byObject"/>
       </p:transition>
     </mc:Choice>
-    <mc:Fallback>
+    <mc:Fallback xmlns="">
       <p:transition spd="slow">
         <p:fade/>
       </p:transition>
@@ -3902,13 +3902,13 @@
   <p:clrMapOvr>
     <a:masterClrMapping/>
   </p:clrMapOvr>
-  <mc:AlternateContent xmlns:mc="http://schemas.openxmlformats.org/markup-compatibility/2006">
-    <mc:Choice xmlns:p159="http://schemas.microsoft.com/office/powerpoint/2015/09/main" Requires="p159">
+  <mc:AlternateContent xmlns:mc="http://schemas.openxmlformats.org/markup-compatibility/2006" xmlns:p159="http://schemas.microsoft.com/office/powerpoint/2015/09/main">
+    <mc:Choice Requires="p159">
       <p:transition spd="slow">
         <p159:morph option="byObject"/>
       </p:transition>
     </mc:Choice>
-    <mc:Fallback>
+    <mc:Fallback xmlns="">
       <p:transition spd="slow">
         <p:fade/>
       </p:transition>
@@ -4103,13 +4103,13 @@
   <p:clrMapOvr>
     <a:masterClrMapping/>
   </p:clrMapOvr>
-  <mc:AlternateContent xmlns:mc="http://schemas.openxmlformats.org/markup-compatibility/2006">
-    <mc:Choice xmlns:p159="http://schemas.microsoft.com/office/powerpoint/2015/09/main" Requires="p159">
+  <mc:AlternateContent xmlns:mc="http://schemas.openxmlformats.org/markup-compatibility/2006" xmlns:p159="http://schemas.microsoft.com/office/powerpoint/2015/09/main">
+    <mc:Choice Requires="p159">
       <p:transition spd="slow">
         <p159:morph option="byObject"/>
       </p:transition>
     </mc:Choice>
-    <mc:Fallback>
+    <mc:Fallback xmlns="">
       <p:transition spd="slow">
         <p:fade/>
       </p:transition>
@@ -4304,13 +4304,13 @@
   <p:clrMapOvr>
     <a:masterClrMapping/>
   </p:clrMapOvr>
-  <mc:AlternateContent xmlns:mc="http://schemas.openxmlformats.org/markup-compatibility/2006">
-    <mc:Choice xmlns:p159="http://schemas.microsoft.com/office/powerpoint/2015/09/main" Requires="p159">
+  <mc:AlternateContent xmlns:mc="http://schemas.openxmlformats.org/markup-compatibility/2006" xmlns:p159="http://schemas.microsoft.com/office/powerpoint/2015/09/main">
+    <mc:Choice Requires="p159">
       <p:transition spd="slow">
         <p159:morph option="byObject"/>
       </p:transition>
     </mc:Choice>
-    <mc:Fallback>
+    <mc:Fallback xmlns="">
       <p:transition spd="slow">
         <p:fade/>
       </p:transition>
@@ -4505,13 +4505,13 @@
   <p:clrMapOvr>
     <a:masterClrMapping/>
   </p:clrMapOvr>
-  <mc:AlternateContent xmlns:mc="http://schemas.openxmlformats.org/markup-compatibility/2006">
-    <mc:Choice xmlns:p159="http://schemas.microsoft.com/office/powerpoint/2015/09/main" Requires="p159">
+  <mc:AlternateContent xmlns:mc="http://schemas.openxmlformats.org/markup-compatibility/2006" xmlns:p159="http://schemas.microsoft.com/office/powerpoint/2015/09/main">
+    <mc:Choice Requires="p159">
       <p:transition spd="slow">
         <p159:morph option="byObject"/>
       </p:transition>
     </mc:Choice>
-    <mc:Fallback>
+    <mc:Fallback xmlns="">
       <p:transition spd="slow">
         <p:fade/>
       </p:transition>
@@ -4697,6 +4697,57 @@
           </a:p>
         </p:txBody>
       </p:sp>
+      <p:sp>
+        <p:nvSpPr>
+          <p:cNvPr id="4" name="TextBox 3">
+            <a:extLst>
+              <a:ext uri="{FF2B5EF4-FFF2-40B4-BE49-F238E27FC236}">
+                <a16:creationId xmlns:a16="http://schemas.microsoft.com/office/drawing/2014/main" id="{400219B2-4EB0-F574-7D0A-3717BA94481B}"/>
+              </a:ext>
+            </a:extLst>
+          </p:cNvPr>
+          <p:cNvSpPr txBox="1"/>
+          <p:nvPr/>
+        </p:nvSpPr>
+        <p:spPr>
+          <a:xfrm>
+            <a:off x="1051791" y="4905863"/>
+            <a:ext cx="3431310" cy="584775"/>
+          </a:xfrm>
+          <a:prstGeom prst="rect">
+            <a:avLst/>
+          </a:prstGeom>
+          <a:noFill/>
+        </p:spPr>
+        <p:txBody>
+          <a:bodyPr wrap="square">
+            <a:spAutoFit/>
+          </a:bodyPr>
+          <a:lstStyle/>
+          <a:p>
+            <a:r>
+              <a:rPr lang="vi-VN" sz="3200">
+                <a:solidFill>
+                  <a:srgbClr val="FF0000"/>
+                </a:solidFill>
+                <a:hlinkClick r:id="rId2">
+                  <a:extLst>
+                    <a:ext uri="{A12FA001-AC4F-418D-AE19-62706E023703}">
+                      <ahyp:hlinkClr xmlns:ahyp="http://schemas.microsoft.com/office/drawing/2018/hyperlinkcolor" val="tx"/>
+                    </a:ext>
+                  </a:extLst>
+                </a:hlinkClick>
+              </a:rPr>
+              <a:t>Link Figma Bai 1</a:t>
+            </a:r>
+            <a:endParaRPr lang="vi-VN" sz="3200">
+              <a:solidFill>
+                <a:srgbClr val="FF0000"/>
+              </a:solidFill>
+            </a:endParaRPr>
+          </a:p>
+        </p:txBody>
+      </p:sp>
     </p:spTree>
     <p:extLst>
       <p:ext uri="{BB962C8B-B14F-4D97-AF65-F5344CB8AC3E}">
@@ -4707,13 +4758,13 @@
   <p:clrMapOvr>
     <a:masterClrMapping/>
   </p:clrMapOvr>
-  <mc:AlternateContent xmlns:mc="http://schemas.openxmlformats.org/markup-compatibility/2006">
-    <mc:Choice xmlns:p159="http://schemas.microsoft.com/office/powerpoint/2015/09/main" Requires="p159">
+  <mc:AlternateContent xmlns:mc="http://schemas.openxmlformats.org/markup-compatibility/2006" xmlns:p159="http://schemas.microsoft.com/office/powerpoint/2015/09/main">
+    <mc:Choice Requires="p159">
       <p:transition spd="slow">
         <p159:morph option="byObject"/>
       </p:transition>
     </mc:Choice>
-    <mc:Fallback>
+    <mc:Fallback xmlns="">
       <p:transition spd="slow">
         <p:fade/>
       </p:transition>
@@ -4930,13 +4981,13 @@
   <p:clrMapOvr>
     <a:masterClrMapping/>
   </p:clrMapOvr>
-  <mc:AlternateContent xmlns:mc="http://schemas.openxmlformats.org/markup-compatibility/2006">
-    <mc:Choice xmlns:p159="http://schemas.microsoft.com/office/powerpoint/2015/09/main" Requires="p159">
+  <mc:AlternateContent xmlns:mc="http://schemas.openxmlformats.org/markup-compatibility/2006" xmlns:p159="http://schemas.microsoft.com/office/powerpoint/2015/09/main">
+    <mc:Choice Requires="p159">
       <p:transition spd="slow">
         <p159:morph option="byObject"/>
       </p:transition>
     </mc:Choice>
-    <mc:Fallback>
+    <mc:Fallback xmlns="">
       <p:transition spd="slow">
         <p:fade/>
       </p:transition>
@@ -5092,13 +5143,13 @@
   <p:clrMapOvr>
     <a:masterClrMapping/>
   </p:clrMapOvr>
-  <mc:AlternateContent xmlns:mc="http://schemas.openxmlformats.org/markup-compatibility/2006">
-    <mc:Choice xmlns:p159="http://schemas.microsoft.com/office/powerpoint/2015/09/main" Requires="p159">
+  <mc:AlternateContent xmlns:mc="http://schemas.openxmlformats.org/markup-compatibility/2006" xmlns:p159="http://schemas.microsoft.com/office/powerpoint/2015/09/main">
+    <mc:Choice Requires="p159">
       <p:transition spd="slow">
         <p159:morph option="byObject"/>
       </p:transition>
     </mc:Choice>
-    <mc:Fallback>
+    <mc:Fallback xmlns="">
       <p:transition spd="slow">
         <p:fade/>
       </p:transition>
@@ -5248,13 +5299,13 @@
   <p:clrMapOvr>
     <a:masterClrMapping/>
   </p:clrMapOvr>
-  <mc:AlternateContent xmlns:mc="http://schemas.openxmlformats.org/markup-compatibility/2006">
-    <mc:Choice xmlns:p159="http://schemas.microsoft.com/office/powerpoint/2015/09/main" Requires="p159">
+  <mc:AlternateContent xmlns:mc="http://schemas.openxmlformats.org/markup-compatibility/2006" xmlns:p159="http://schemas.microsoft.com/office/powerpoint/2015/09/main">
+    <mc:Choice Requires="p159">
       <p:transition spd="slow">
         <p159:morph option="byObject"/>
       </p:transition>
     </mc:Choice>
-    <mc:Fallback>
+    <mc:Fallback xmlns="">
       <p:transition spd="slow">
         <p:fade/>
       </p:transition>
@@ -5404,13 +5455,13 @@
   <p:clrMapOvr>
     <a:masterClrMapping/>
   </p:clrMapOvr>
-  <mc:AlternateContent xmlns:mc="http://schemas.openxmlformats.org/markup-compatibility/2006">
-    <mc:Choice xmlns:p159="http://schemas.microsoft.com/office/powerpoint/2015/09/main" Requires="p159">
+  <mc:AlternateContent xmlns:mc="http://schemas.openxmlformats.org/markup-compatibility/2006" xmlns:p159="http://schemas.microsoft.com/office/powerpoint/2015/09/main">
+    <mc:Choice Requires="p159">
       <p:transition spd="slow">
         <p159:morph option="byObject"/>
       </p:transition>
     </mc:Choice>
-    <mc:Fallback>
+    <mc:Fallback xmlns="">
       <p:transition spd="slow">
         <p:fade/>
       </p:transition>
@@ -5538,13 +5589,13 @@
   <p:clrMapOvr>
     <a:masterClrMapping/>
   </p:clrMapOvr>
-  <mc:AlternateContent xmlns:mc="http://schemas.openxmlformats.org/markup-compatibility/2006">
-    <mc:Choice xmlns:p159="http://schemas.microsoft.com/office/powerpoint/2015/09/main" Requires="p159">
+  <mc:AlternateContent xmlns:mc="http://schemas.openxmlformats.org/markup-compatibility/2006" xmlns:p159="http://schemas.microsoft.com/office/powerpoint/2015/09/main">
+    <mc:Choice Requires="p159">
       <p:transition spd="slow">
         <p159:morph option="byObject"/>
       </p:transition>
     </mc:Choice>
-    <mc:Fallback>
+    <mc:Fallback xmlns="">
       <p:transition spd="slow">
         <p:fade/>
       </p:transition>
@@ -5716,13 +5767,13 @@
   <p:clrMapOvr>
     <a:masterClrMapping/>
   </p:clrMapOvr>
-  <mc:AlternateContent xmlns:mc="http://schemas.openxmlformats.org/markup-compatibility/2006">
-    <mc:Choice xmlns:p159="http://schemas.microsoft.com/office/powerpoint/2015/09/main" Requires="p159">
+  <mc:AlternateContent xmlns:mc="http://schemas.openxmlformats.org/markup-compatibility/2006" xmlns:p159="http://schemas.microsoft.com/office/powerpoint/2015/09/main">
+    <mc:Choice Requires="p159">
       <p:transition spd="slow">
         <p159:morph option="byObject"/>
       </p:transition>
     </mc:Choice>
-    <mc:Fallback>
+    <mc:Fallback xmlns="">
       <p:transition spd="slow">
         <p:fade/>
       </p:transition>
@@ -5925,13 +5976,13 @@
   <p:clrMapOvr>
     <a:masterClrMapping/>
   </p:clrMapOvr>
-  <mc:AlternateContent xmlns:mc="http://schemas.openxmlformats.org/markup-compatibility/2006">
-    <mc:Choice xmlns:p159="http://schemas.microsoft.com/office/powerpoint/2015/09/main" Requires="p159">
+  <mc:AlternateContent xmlns:mc="http://schemas.openxmlformats.org/markup-compatibility/2006" xmlns:p159="http://schemas.microsoft.com/office/powerpoint/2015/09/main">
+    <mc:Choice Requires="p159">
       <p:transition spd="slow">
         <p159:morph option="byObject"/>
       </p:transition>
     </mc:Choice>
-    <mc:Fallback>
+    <mc:Fallback xmlns="">
       <p:transition spd="slow">
         <p:fade/>
       </p:transition>

--- a/KTGK_63133615/KTGK_63133615.pptx
+++ b/KTGK_63133615/KTGK_63133615.pptx
@@ -18,6 +18,12 @@
     <p:sldId id="266" r:id="rId12"/>
     <p:sldId id="267" r:id="rId13"/>
     <p:sldId id="268" r:id="rId14"/>
+    <p:sldId id="270" r:id="rId15"/>
+    <p:sldId id="271" r:id="rId16"/>
+    <p:sldId id="272" r:id="rId17"/>
+    <p:sldId id="274" r:id="rId18"/>
+    <p:sldId id="273" r:id="rId19"/>
+    <p:sldId id="275" r:id="rId20"/>
   </p:sldIdLst>
   <p:sldSz cx="12192000" cy="6858000"/>
   <p:notesSz cx="6858000" cy="9144000"/>
@@ -273,7 +279,7 @@
           <a:p>
             <a:fld id="{BEB63FF6-9169-4DC8-9D4D-F5C32EAA2AE5}" type="datetimeFigureOut">
               <a:rPr lang="vi-VN" smtClean="0"/>
-              <a:t>24/03/2024</a:t>
+              <a:t>25/03/2024</a:t>
             </a:fld>
             <a:endParaRPr lang="vi-VN"/>
           </a:p>
@@ -485,7 +491,7 @@
           <a:p>
             <a:fld id="{BEB63FF6-9169-4DC8-9D4D-F5C32EAA2AE5}" type="datetimeFigureOut">
               <a:rPr lang="vi-VN" smtClean="0"/>
-              <a:t>24/03/2024</a:t>
+              <a:t>25/03/2024</a:t>
             </a:fld>
             <a:endParaRPr lang="vi-VN"/>
           </a:p>
@@ -707,7 +713,7 @@
           <a:p>
             <a:fld id="{BEB63FF6-9169-4DC8-9D4D-F5C32EAA2AE5}" type="datetimeFigureOut">
               <a:rPr lang="vi-VN" smtClean="0"/>
-              <a:t>24/03/2024</a:t>
+              <a:t>25/03/2024</a:t>
             </a:fld>
             <a:endParaRPr lang="vi-VN"/>
           </a:p>
@@ -919,7 +925,7 @@
           <a:p>
             <a:fld id="{BEB63FF6-9169-4DC8-9D4D-F5C32EAA2AE5}" type="datetimeFigureOut">
               <a:rPr lang="vi-VN" smtClean="0"/>
-              <a:t>24/03/2024</a:t>
+              <a:t>25/03/2024</a:t>
             </a:fld>
             <a:endParaRPr lang="vi-VN"/>
           </a:p>
@@ -1207,7 +1213,7 @@
           <a:p>
             <a:fld id="{BEB63FF6-9169-4DC8-9D4D-F5C32EAA2AE5}" type="datetimeFigureOut">
               <a:rPr lang="vi-VN" smtClean="0"/>
-              <a:t>24/03/2024</a:t>
+              <a:t>25/03/2024</a:t>
             </a:fld>
             <a:endParaRPr lang="vi-VN"/>
           </a:p>
@@ -1487,7 +1493,7 @@
           <a:p>
             <a:fld id="{BEB63FF6-9169-4DC8-9D4D-F5C32EAA2AE5}" type="datetimeFigureOut">
               <a:rPr lang="vi-VN" smtClean="0"/>
-              <a:t>24/03/2024</a:t>
+              <a:t>25/03/2024</a:t>
             </a:fld>
             <a:endParaRPr lang="vi-VN"/>
           </a:p>
@@ -1914,7 +1920,7 @@
           <a:p>
             <a:fld id="{BEB63FF6-9169-4DC8-9D4D-F5C32EAA2AE5}" type="datetimeFigureOut">
               <a:rPr lang="vi-VN" smtClean="0"/>
-              <a:t>24/03/2024</a:t>
+              <a:t>25/03/2024</a:t>
             </a:fld>
             <a:endParaRPr lang="vi-VN"/>
           </a:p>
@@ -2068,7 +2074,7 @@
           <a:p>
             <a:fld id="{BEB63FF6-9169-4DC8-9D4D-F5C32EAA2AE5}" type="datetimeFigureOut">
               <a:rPr lang="vi-VN" smtClean="0"/>
-              <a:t>24/03/2024</a:t>
+              <a:t>25/03/2024</a:t>
             </a:fld>
             <a:endParaRPr lang="vi-VN"/>
           </a:p>
@@ -2193,7 +2199,7 @@
           <a:p>
             <a:fld id="{BEB63FF6-9169-4DC8-9D4D-F5C32EAA2AE5}" type="datetimeFigureOut">
               <a:rPr lang="vi-VN" smtClean="0"/>
-              <a:t>24/03/2024</a:t>
+              <a:t>25/03/2024</a:t>
             </a:fld>
             <a:endParaRPr lang="vi-VN"/>
           </a:p>
@@ -2518,7 +2524,7 @@
           <a:p>
             <a:fld id="{BEB63FF6-9169-4DC8-9D4D-F5C32EAA2AE5}" type="datetimeFigureOut">
               <a:rPr lang="vi-VN" smtClean="0"/>
-              <a:t>24/03/2024</a:t>
+              <a:t>25/03/2024</a:t>
             </a:fld>
             <a:endParaRPr lang="vi-VN"/>
           </a:p>
@@ -2819,7 +2825,7 @@
           <a:p>
             <a:fld id="{BEB63FF6-9169-4DC8-9D4D-F5C32EAA2AE5}" type="datetimeFigureOut">
               <a:rPr lang="vi-VN" smtClean="0"/>
-              <a:t>24/03/2024</a:t>
+              <a:t>25/03/2024</a:t>
             </a:fld>
             <a:endParaRPr lang="vi-VN"/>
           </a:p>
@@ -3074,7 +3080,7 @@
           <a:p>
             <a:fld id="{BEB63FF6-9169-4DC8-9D4D-F5C32EAA2AE5}" type="datetimeFigureOut">
               <a:rPr lang="vi-VN" smtClean="0"/>
-              <a:t>24/03/2024</a:t>
+              <a:t>25/03/2024</a:t>
             </a:fld>
             <a:endParaRPr lang="vi-VN"/>
           </a:p>
@@ -4520,6 +4526,991 @@
 </p:sld>
 </file>
 
+<file path=ppt/slides/slide14.xml><?xml version="1.0" encoding="utf-8"?>
+<p:sld xmlns:a="http://schemas.openxmlformats.org/drawingml/2006/main" xmlns:r="http://schemas.openxmlformats.org/officeDocument/2006/relationships" xmlns:p="http://schemas.openxmlformats.org/presentationml/2006/main">
+  <p:cSld>
+    <p:bg>
+      <p:bgPr>
+        <a:gradFill flip="none" rotWithShape="1">
+          <a:gsLst>
+            <a:gs pos="0">
+              <a:srgbClr val="21D4FD"/>
+            </a:gs>
+            <a:gs pos="92000">
+              <a:srgbClr val="B721FF"/>
+            </a:gs>
+          </a:gsLst>
+          <a:lin ang="2700000" scaled="1"/>
+          <a:tileRect/>
+        </a:gradFill>
+        <a:effectLst/>
+      </p:bgPr>
+    </p:bg>
+    <p:spTree>
+      <p:nvGrpSpPr>
+        <p:cNvPr id="1" name=""/>
+        <p:cNvGrpSpPr/>
+        <p:nvPr/>
+      </p:nvGrpSpPr>
+      <p:grpSpPr>
+        <a:xfrm>
+          <a:off x="0" y="0"/>
+          <a:ext cx="0" cy="0"/>
+          <a:chOff x="0" y="0"/>
+          <a:chExt cx="0" cy="0"/>
+        </a:xfrm>
+      </p:grpSpPr>
+      <p:sp>
+        <p:nvSpPr>
+          <p:cNvPr id="5" name="TextBox 4">
+            <a:extLst>
+              <a:ext uri="{FF2B5EF4-FFF2-40B4-BE49-F238E27FC236}">
+                <a16:creationId xmlns:a16="http://schemas.microsoft.com/office/drawing/2014/main" id="{007DE2D7-85C1-A80F-B2BB-F08AC46BAFDF}"/>
+              </a:ext>
+            </a:extLst>
+          </p:cNvPr>
+          <p:cNvSpPr txBox="1"/>
+          <p:nvPr/>
+        </p:nvSpPr>
+        <p:spPr>
+          <a:xfrm>
+            <a:off x="1051791" y="2908890"/>
+            <a:ext cx="3431310" cy="1446550"/>
+          </a:xfrm>
+          <a:prstGeom prst="rect">
+            <a:avLst/>
+          </a:prstGeom>
+          <a:noFill/>
+        </p:spPr>
+        <p:txBody>
+          <a:bodyPr wrap="square">
+            <a:spAutoFit/>
+          </a:bodyPr>
+          <a:lstStyle/>
+          <a:p>
+            <a:pPr indent="269875" algn="ctr">
+              <a:spcBef>
+                <a:spcPts val="600"/>
+              </a:spcBef>
+              <a:spcAft>
+                <a:spcPts val="1200"/>
+              </a:spcAft>
+            </a:pPr>
+            <a:r>
+              <a:rPr lang="en-US" sz="8800" b="1">
+                <a:solidFill>
+                  <a:schemeClr val="bg1"/>
+                </a:solidFill>
+                <a:effectLst/>
+                <a:latin typeface="Calibri" panose="020F0502020204030204" pitchFamily="34" charset="0"/>
+                <a:ea typeface="Calibri" panose="020F0502020204030204" pitchFamily="34" charset="0"/>
+                <a:cs typeface="Arial" panose="020B0604020202020204" pitchFamily="34" charset="0"/>
+              </a:rPr>
+              <a:t>Bài 2</a:t>
+            </a:r>
+            <a:endParaRPr lang="vi-VN" sz="8800" b="1">
+              <a:solidFill>
+                <a:schemeClr val="bg1"/>
+              </a:solidFill>
+              <a:effectLst/>
+              <a:latin typeface="Calibri" panose="020F0502020204030204" pitchFamily="34" charset="0"/>
+              <a:ea typeface="Calibri" panose="020F0502020204030204" pitchFamily="34" charset="0"/>
+              <a:cs typeface="Arial" panose="020B0604020202020204" pitchFamily="34" charset="0"/>
+            </a:endParaRPr>
+          </a:p>
+        </p:txBody>
+      </p:sp>
+      <p:sp>
+        <p:nvSpPr>
+          <p:cNvPr id="2" name="TextBox 1">
+            <a:extLst>
+              <a:ext uri="{FF2B5EF4-FFF2-40B4-BE49-F238E27FC236}">
+                <a16:creationId xmlns:a16="http://schemas.microsoft.com/office/drawing/2014/main" id="{EBB27306-D97C-B12C-81D0-C034D162C623}"/>
+              </a:ext>
+            </a:extLst>
+          </p:cNvPr>
+          <p:cNvSpPr txBox="1"/>
+          <p:nvPr/>
+        </p:nvSpPr>
+        <p:spPr>
+          <a:xfrm>
+            <a:off x="6756401" y="428178"/>
+            <a:ext cx="3431310" cy="6001643"/>
+          </a:xfrm>
+          <a:prstGeom prst="rect">
+            <a:avLst/>
+          </a:prstGeom>
+          <a:noFill/>
+        </p:spPr>
+        <p:txBody>
+          <a:bodyPr wrap="square">
+            <a:spAutoFit/>
+          </a:bodyPr>
+          <a:lstStyle/>
+          <a:p>
+            <a:pPr indent="269875" algn="ctr">
+              <a:spcBef>
+                <a:spcPts val="600"/>
+              </a:spcBef>
+              <a:spcAft>
+                <a:spcPts val="1200"/>
+              </a:spcAft>
+            </a:pPr>
+            <a:r>
+              <a:rPr lang="en-US" sz="9600" b="1">
+                <a:ln w="57150">
+                  <a:solidFill>
+                    <a:schemeClr val="bg1">
+                      <a:lumMod val="95000"/>
+                    </a:schemeClr>
+                  </a:solidFill>
+                </a:ln>
+                <a:noFill/>
+                <a:effectLst/>
+                <a:latin typeface="Calibri" panose="020F0502020204030204" pitchFamily="34" charset="0"/>
+                <a:ea typeface="Calibri" panose="020F0502020204030204" pitchFamily="34" charset="0"/>
+                <a:cs typeface="Arial" panose="020B0604020202020204" pitchFamily="34" charset="0"/>
+              </a:rPr>
+              <a:t>Quản Lý </a:t>
+            </a:r>
+            <a:r>
+              <a:rPr lang="en-US" sz="9600" b="1">
+                <a:ln w="57150">
+                  <a:noFill/>
+                </a:ln>
+                <a:solidFill>
+                  <a:schemeClr val="bg1"/>
+                </a:solidFill>
+                <a:effectLst/>
+                <a:latin typeface="Calibri" panose="020F0502020204030204" pitchFamily="34" charset="0"/>
+                <a:ea typeface="Calibri" panose="020F0502020204030204" pitchFamily="34" charset="0"/>
+                <a:cs typeface="Arial" panose="020B0604020202020204" pitchFamily="34" charset="0"/>
+              </a:rPr>
+              <a:t>Nhân Viên</a:t>
+            </a:r>
+            <a:endParaRPr lang="vi-VN" sz="9600" b="1">
+              <a:ln w="57150">
+                <a:noFill/>
+              </a:ln>
+              <a:solidFill>
+                <a:schemeClr val="bg1"/>
+              </a:solidFill>
+              <a:effectLst/>
+              <a:latin typeface="Calibri" panose="020F0502020204030204" pitchFamily="34" charset="0"/>
+              <a:ea typeface="Calibri" panose="020F0502020204030204" pitchFamily="34" charset="0"/>
+              <a:cs typeface="Arial" panose="020B0604020202020204" pitchFamily="34" charset="0"/>
+            </a:endParaRPr>
+          </a:p>
+        </p:txBody>
+      </p:sp>
+      <p:sp>
+        <p:nvSpPr>
+          <p:cNvPr id="4" name="TextBox 3">
+            <a:extLst>
+              <a:ext uri="{FF2B5EF4-FFF2-40B4-BE49-F238E27FC236}">
+                <a16:creationId xmlns:a16="http://schemas.microsoft.com/office/drawing/2014/main" id="{400219B2-4EB0-F574-7D0A-3717BA94481B}"/>
+              </a:ext>
+            </a:extLst>
+          </p:cNvPr>
+          <p:cNvSpPr txBox="1"/>
+          <p:nvPr/>
+        </p:nvSpPr>
+        <p:spPr>
+          <a:xfrm>
+            <a:off x="1051791" y="4905863"/>
+            <a:ext cx="3431310" cy="584775"/>
+          </a:xfrm>
+          <a:prstGeom prst="rect">
+            <a:avLst/>
+          </a:prstGeom>
+          <a:noFill/>
+        </p:spPr>
+        <p:txBody>
+          <a:bodyPr wrap="square">
+            <a:spAutoFit/>
+          </a:bodyPr>
+          <a:lstStyle/>
+          <a:p>
+            <a:r>
+              <a:rPr lang="vi-VN" sz="3200">
+                <a:solidFill>
+                  <a:srgbClr val="FF0000"/>
+                </a:solidFill>
+                <a:hlinkClick r:id="rId2">
+                  <a:extLst>
+                    <a:ext uri="{A12FA001-AC4F-418D-AE19-62706E023703}">
+                      <ahyp:hlinkClr xmlns:ahyp="http://schemas.microsoft.com/office/drawing/2018/hyperlinkcolor" val="tx"/>
+                    </a:ext>
+                  </a:extLst>
+                </a:hlinkClick>
+              </a:rPr>
+              <a:t>Link Figma Bai 2</a:t>
+            </a:r>
+            <a:endParaRPr lang="vi-VN" sz="3200">
+              <a:solidFill>
+                <a:srgbClr val="FF0000"/>
+              </a:solidFill>
+            </a:endParaRPr>
+          </a:p>
+        </p:txBody>
+      </p:sp>
+    </p:spTree>
+    <p:extLst>
+      <p:ext uri="{BB962C8B-B14F-4D97-AF65-F5344CB8AC3E}">
+        <p14:creationId xmlns:p14="http://schemas.microsoft.com/office/powerpoint/2010/main" val="3891610816"/>
+      </p:ext>
+    </p:extLst>
+  </p:cSld>
+  <p:clrMapOvr>
+    <a:masterClrMapping/>
+  </p:clrMapOvr>
+  <mc:AlternateContent xmlns:mc="http://schemas.openxmlformats.org/markup-compatibility/2006">
+    <mc:Choice xmlns:p159="http://schemas.microsoft.com/office/powerpoint/2015/09/main" Requires="p159">
+      <p:transition spd="slow">
+        <p159:morph option="byObject"/>
+      </p:transition>
+    </mc:Choice>
+    <mc:Fallback>
+      <p:transition spd="slow">
+        <p:fade/>
+      </p:transition>
+    </mc:Fallback>
+  </mc:AlternateContent>
+</p:sld>
+</file>
+
+<file path=ppt/slides/slide15.xml><?xml version="1.0" encoding="utf-8"?>
+<p:sld xmlns:a="http://schemas.openxmlformats.org/drawingml/2006/main" xmlns:r="http://schemas.openxmlformats.org/officeDocument/2006/relationships" xmlns:p="http://schemas.openxmlformats.org/presentationml/2006/main">
+  <p:cSld>
+    <p:bg>
+      <p:bgPr>
+        <a:gradFill flip="none" rotWithShape="1">
+          <a:gsLst>
+            <a:gs pos="0">
+              <a:srgbClr val="21D4FD"/>
+            </a:gs>
+            <a:gs pos="92000">
+              <a:srgbClr val="B721FF"/>
+            </a:gs>
+          </a:gsLst>
+          <a:lin ang="8100000" scaled="1"/>
+          <a:tileRect/>
+        </a:gradFill>
+        <a:effectLst/>
+      </p:bgPr>
+    </p:bg>
+    <p:spTree>
+      <p:nvGrpSpPr>
+        <p:cNvPr id="1" name=""/>
+        <p:cNvGrpSpPr/>
+        <p:nvPr/>
+      </p:nvGrpSpPr>
+      <p:grpSpPr>
+        <a:xfrm>
+          <a:off x="0" y="0"/>
+          <a:ext cx="0" cy="0"/>
+          <a:chOff x="0" y="0"/>
+          <a:chExt cx="0" cy="0"/>
+        </a:xfrm>
+      </p:grpSpPr>
+      <p:pic>
+        <p:nvPicPr>
+          <p:cNvPr id="3" name="Picture 2">
+            <a:extLst>
+              <a:ext uri="{FF2B5EF4-FFF2-40B4-BE49-F238E27FC236}">
+                <a16:creationId xmlns:a16="http://schemas.microsoft.com/office/drawing/2014/main" id="{01ECDBDB-8773-587B-FD16-5BB45459ADA3}"/>
+              </a:ext>
+            </a:extLst>
+          </p:cNvPr>
+          <p:cNvPicPr>
+            <a:picLocks noChangeAspect="1"/>
+          </p:cNvPicPr>
+          <p:nvPr/>
+        </p:nvPicPr>
+        <p:blipFill>
+          <a:blip r:embed="rId2">
+            <a:extLst>
+              <a:ext uri="{28A0092B-C50C-407E-A947-70E740481C1C}">
+                <a14:useLocalDpi xmlns:a14="http://schemas.microsoft.com/office/drawing/2010/main" val="0"/>
+              </a:ext>
+            </a:extLst>
+          </a:blip>
+          <a:srcRect/>
+          <a:stretch/>
+        </p:blipFill>
+        <p:spPr>
+          <a:xfrm>
+            <a:off x="1444752" y="257640"/>
+            <a:ext cx="3066289" cy="6347910"/>
+          </a:xfrm>
+          <a:prstGeom prst="rect">
+            <a:avLst/>
+          </a:prstGeom>
+        </p:spPr>
+      </p:pic>
+      <p:sp>
+        <p:nvSpPr>
+          <p:cNvPr id="4" name="TextBox 3">
+            <a:extLst>
+              <a:ext uri="{FF2B5EF4-FFF2-40B4-BE49-F238E27FC236}">
+                <a16:creationId xmlns:a16="http://schemas.microsoft.com/office/drawing/2014/main" id="{752403B0-6FAB-D244-5348-F034813B8FB3}"/>
+              </a:ext>
+            </a:extLst>
+          </p:cNvPr>
+          <p:cNvSpPr txBox="1"/>
+          <p:nvPr/>
+        </p:nvSpPr>
+        <p:spPr>
+          <a:xfrm>
+            <a:off x="5577840" y="2048256"/>
+            <a:ext cx="3803904" cy="954107"/>
+          </a:xfrm>
+          <a:prstGeom prst="rect">
+            <a:avLst/>
+          </a:prstGeom>
+          <a:noFill/>
+        </p:spPr>
+        <p:txBody>
+          <a:bodyPr wrap="square" rtlCol="0">
+            <a:spAutoFit/>
+          </a:bodyPr>
+          <a:lstStyle/>
+          <a:p>
+            <a:pPr marL="457200" indent="-457200">
+              <a:buFont typeface="Arial" panose="020B0604020202020204" pitchFamily="34" charset="0"/>
+              <a:buChar char="•"/>
+            </a:pPr>
+            <a:r>
+              <a:rPr lang="en-US" sz="2800" b="1">
+                <a:solidFill>
+                  <a:schemeClr val="bg1"/>
+                </a:solidFill>
+              </a:rPr>
+              <a:t>Giao diện đang nhập của app</a:t>
+            </a:r>
+            <a:endParaRPr lang="vi-VN" sz="2800" b="1">
+              <a:solidFill>
+                <a:schemeClr val="bg1"/>
+              </a:solidFill>
+            </a:endParaRPr>
+          </a:p>
+        </p:txBody>
+      </p:sp>
+    </p:spTree>
+    <p:extLst>
+      <p:ext uri="{BB962C8B-B14F-4D97-AF65-F5344CB8AC3E}">
+        <p14:creationId xmlns:p14="http://schemas.microsoft.com/office/powerpoint/2010/main" val="752790509"/>
+      </p:ext>
+    </p:extLst>
+  </p:cSld>
+  <p:clrMapOvr>
+    <a:masterClrMapping/>
+  </p:clrMapOvr>
+  <mc:AlternateContent xmlns:mc="http://schemas.openxmlformats.org/markup-compatibility/2006">
+    <mc:Choice xmlns:p159="http://schemas.microsoft.com/office/powerpoint/2015/09/main" Requires="p159">
+      <p:transition spd="slow">
+        <p159:morph option="byObject"/>
+      </p:transition>
+    </mc:Choice>
+    <mc:Fallback>
+      <p:transition spd="slow">
+        <p:fade/>
+      </p:transition>
+    </mc:Fallback>
+  </mc:AlternateContent>
+</p:sld>
+</file>
+
+<file path=ppt/slides/slide16.xml><?xml version="1.0" encoding="utf-8"?>
+<p:sld xmlns:a="http://schemas.openxmlformats.org/drawingml/2006/main" xmlns:r="http://schemas.openxmlformats.org/officeDocument/2006/relationships" xmlns:p="http://schemas.openxmlformats.org/presentationml/2006/main">
+  <p:cSld>
+    <p:bg>
+      <p:bgPr>
+        <a:gradFill flip="none" rotWithShape="1">
+          <a:gsLst>
+            <a:gs pos="0">
+              <a:srgbClr val="21D4FD"/>
+            </a:gs>
+            <a:gs pos="92000">
+              <a:srgbClr val="B721FF"/>
+            </a:gs>
+          </a:gsLst>
+          <a:lin ang="8100000" scaled="1"/>
+          <a:tileRect/>
+        </a:gradFill>
+        <a:effectLst/>
+      </p:bgPr>
+    </p:bg>
+    <p:spTree>
+      <p:nvGrpSpPr>
+        <p:cNvPr id="1" name=""/>
+        <p:cNvGrpSpPr/>
+        <p:nvPr/>
+      </p:nvGrpSpPr>
+      <p:grpSpPr>
+        <a:xfrm>
+          <a:off x="0" y="0"/>
+          <a:ext cx="0" cy="0"/>
+          <a:chOff x="0" y="0"/>
+          <a:chExt cx="0" cy="0"/>
+        </a:xfrm>
+      </p:grpSpPr>
+      <p:pic>
+        <p:nvPicPr>
+          <p:cNvPr id="3" name="Picture 2">
+            <a:extLst>
+              <a:ext uri="{FF2B5EF4-FFF2-40B4-BE49-F238E27FC236}">
+                <a16:creationId xmlns:a16="http://schemas.microsoft.com/office/drawing/2014/main" id="{01ECDBDB-8773-587B-FD16-5BB45459ADA3}"/>
+              </a:ext>
+            </a:extLst>
+          </p:cNvPr>
+          <p:cNvPicPr>
+            <a:picLocks noChangeAspect="1"/>
+          </p:cNvPicPr>
+          <p:nvPr/>
+        </p:nvPicPr>
+        <p:blipFill>
+          <a:blip r:embed="rId2">
+            <a:extLst>
+              <a:ext uri="{28A0092B-C50C-407E-A947-70E740481C1C}">
+                <a14:useLocalDpi xmlns:a14="http://schemas.microsoft.com/office/drawing/2010/main" val="0"/>
+              </a:ext>
+            </a:extLst>
+          </a:blip>
+          <a:srcRect/>
+          <a:stretch/>
+        </p:blipFill>
+        <p:spPr>
+          <a:xfrm>
+            <a:off x="1535576" y="257640"/>
+            <a:ext cx="2884640" cy="6347910"/>
+          </a:xfrm>
+          <a:prstGeom prst="rect">
+            <a:avLst/>
+          </a:prstGeom>
+        </p:spPr>
+      </p:pic>
+      <p:sp>
+        <p:nvSpPr>
+          <p:cNvPr id="4" name="TextBox 3">
+            <a:extLst>
+              <a:ext uri="{FF2B5EF4-FFF2-40B4-BE49-F238E27FC236}">
+                <a16:creationId xmlns:a16="http://schemas.microsoft.com/office/drawing/2014/main" id="{752403B0-6FAB-D244-5348-F034813B8FB3}"/>
+              </a:ext>
+            </a:extLst>
+          </p:cNvPr>
+          <p:cNvSpPr txBox="1"/>
+          <p:nvPr/>
+        </p:nvSpPr>
+        <p:spPr>
+          <a:xfrm>
+            <a:off x="5577840" y="2048256"/>
+            <a:ext cx="3803904" cy="954107"/>
+          </a:xfrm>
+          <a:prstGeom prst="rect">
+            <a:avLst/>
+          </a:prstGeom>
+          <a:noFill/>
+        </p:spPr>
+        <p:txBody>
+          <a:bodyPr wrap="square" rtlCol="0">
+            <a:spAutoFit/>
+          </a:bodyPr>
+          <a:lstStyle/>
+          <a:p>
+            <a:pPr marL="457200" indent="-457200">
+              <a:buFont typeface="Arial" panose="020B0604020202020204" pitchFamily="34" charset="0"/>
+              <a:buChar char="•"/>
+            </a:pPr>
+            <a:r>
+              <a:rPr lang="en-US" sz="2800" b="1">
+                <a:solidFill>
+                  <a:schemeClr val="bg1"/>
+                </a:solidFill>
+              </a:rPr>
+              <a:t>Giao diện chính của app</a:t>
+            </a:r>
+          </a:p>
+        </p:txBody>
+      </p:sp>
+    </p:spTree>
+    <p:extLst>
+      <p:ext uri="{BB962C8B-B14F-4D97-AF65-F5344CB8AC3E}">
+        <p14:creationId xmlns:p14="http://schemas.microsoft.com/office/powerpoint/2010/main" val="4211285923"/>
+      </p:ext>
+    </p:extLst>
+  </p:cSld>
+  <p:clrMapOvr>
+    <a:masterClrMapping/>
+  </p:clrMapOvr>
+  <mc:AlternateContent xmlns:mc="http://schemas.openxmlformats.org/markup-compatibility/2006">
+    <mc:Choice xmlns:p159="http://schemas.microsoft.com/office/powerpoint/2015/09/main" Requires="p159">
+      <p:transition spd="slow">
+        <p159:morph option="byObject"/>
+      </p:transition>
+    </mc:Choice>
+    <mc:Fallback>
+      <p:transition spd="slow">
+        <p:fade/>
+      </p:transition>
+    </mc:Fallback>
+  </mc:AlternateContent>
+</p:sld>
+</file>
+
+<file path=ppt/slides/slide17.xml><?xml version="1.0" encoding="utf-8"?>
+<p:sld xmlns:a="http://schemas.openxmlformats.org/drawingml/2006/main" xmlns:r="http://schemas.openxmlformats.org/officeDocument/2006/relationships" xmlns:p="http://schemas.openxmlformats.org/presentationml/2006/main">
+  <p:cSld>
+    <p:bg>
+      <p:bgPr>
+        <a:gradFill flip="none" rotWithShape="1">
+          <a:gsLst>
+            <a:gs pos="0">
+              <a:srgbClr val="21D4FD"/>
+            </a:gs>
+            <a:gs pos="92000">
+              <a:srgbClr val="B721FF"/>
+            </a:gs>
+          </a:gsLst>
+          <a:lin ang="8100000" scaled="1"/>
+          <a:tileRect/>
+        </a:gradFill>
+        <a:effectLst/>
+      </p:bgPr>
+    </p:bg>
+    <p:spTree>
+      <p:nvGrpSpPr>
+        <p:cNvPr id="1" name=""/>
+        <p:cNvGrpSpPr/>
+        <p:nvPr/>
+      </p:nvGrpSpPr>
+      <p:grpSpPr>
+        <a:xfrm>
+          <a:off x="0" y="0"/>
+          <a:ext cx="0" cy="0"/>
+          <a:chOff x="0" y="0"/>
+          <a:chExt cx="0" cy="0"/>
+        </a:xfrm>
+      </p:grpSpPr>
+      <p:pic>
+        <p:nvPicPr>
+          <p:cNvPr id="3" name="Picture 2">
+            <a:extLst>
+              <a:ext uri="{FF2B5EF4-FFF2-40B4-BE49-F238E27FC236}">
+                <a16:creationId xmlns:a16="http://schemas.microsoft.com/office/drawing/2014/main" id="{01ECDBDB-8773-587B-FD16-5BB45459ADA3}"/>
+              </a:ext>
+            </a:extLst>
+          </p:cNvPr>
+          <p:cNvPicPr>
+            <a:picLocks noChangeAspect="1"/>
+          </p:cNvPicPr>
+          <p:nvPr/>
+        </p:nvPicPr>
+        <p:blipFill>
+          <a:blip r:embed="rId2">
+            <a:extLst>
+              <a:ext uri="{28A0092B-C50C-407E-A947-70E740481C1C}">
+                <a14:useLocalDpi xmlns:a14="http://schemas.microsoft.com/office/drawing/2010/main" val="0"/>
+              </a:ext>
+            </a:extLst>
+          </a:blip>
+          <a:srcRect/>
+          <a:stretch/>
+        </p:blipFill>
+        <p:spPr>
+          <a:xfrm>
+            <a:off x="579340" y="1499616"/>
+            <a:ext cx="4733324" cy="2870751"/>
+          </a:xfrm>
+          <a:prstGeom prst="rect">
+            <a:avLst/>
+          </a:prstGeom>
+        </p:spPr>
+      </p:pic>
+      <p:sp>
+        <p:nvSpPr>
+          <p:cNvPr id="4" name="TextBox 3">
+            <a:extLst>
+              <a:ext uri="{FF2B5EF4-FFF2-40B4-BE49-F238E27FC236}">
+                <a16:creationId xmlns:a16="http://schemas.microsoft.com/office/drawing/2014/main" id="{752403B0-6FAB-D244-5348-F034813B8FB3}"/>
+              </a:ext>
+            </a:extLst>
+          </p:cNvPr>
+          <p:cNvSpPr txBox="1"/>
+          <p:nvPr/>
+        </p:nvSpPr>
+        <p:spPr>
+          <a:xfrm>
+            <a:off x="5577840" y="2048256"/>
+            <a:ext cx="3803904" cy="954107"/>
+          </a:xfrm>
+          <a:prstGeom prst="rect">
+            <a:avLst/>
+          </a:prstGeom>
+          <a:noFill/>
+        </p:spPr>
+        <p:txBody>
+          <a:bodyPr wrap="square" rtlCol="0">
+            <a:spAutoFit/>
+          </a:bodyPr>
+          <a:lstStyle/>
+          <a:p>
+            <a:pPr marL="457200" indent="-457200">
+              <a:buFont typeface="Arial" panose="020B0604020202020204" pitchFamily="34" charset="0"/>
+              <a:buChar char="•"/>
+            </a:pPr>
+            <a:r>
+              <a:rPr lang="en-US" sz="2800" b="1">
+                <a:solidFill>
+                  <a:schemeClr val="bg1"/>
+                </a:solidFill>
+              </a:rPr>
+              <a:t>Có chức năng Spinner</a:t>
+            </a:r>
+          </a:p>
+        </p:txBody>
+      </p:sp>
+    </p:spTree>
+    <p:extLst>
+      <p:ext uri="{BB962C8B-B14F-4D97-AF65-F5344CB8AC3E}">
+        <p14:creationId xmlns:p14="http://schemas.microsoft.com/office/powerpoint/2010/main" val="835608011"/>
+      </p:ext>
+    </p:extLst>
+  </p:cSld>
+  <p:clrMapOvr>
+    <a:masterClrMapping/>
+  </p:clrMapOvr>
+  <mc:AlternateContent xmlns:mc="http://schemas.openxmlformats.org/markup-compatibility/2006">
+    <mc:Choice xmlns:p159="http://schemas.microsoft.com/office/powerpoint/2015/09/main" Requires="p159">
+      <p:transition spd="slow">
+        <p159:morph option="byObject"/>
+      </p:transition>
+    </mc:Choice>
+    <mc:Fallback>
+      <p:transition spd="slow">
+        <p:fade/>
+      </p:transition>
+    </mc:Fallback>
+  </mc:AlternateContent>
+</p:sld>
+</file>
+
+<file path=ppt/slides/slide18.xml><?xml version="1.0" encoding="utf-8"?>
+<p:sld xmlns:a="http://schemas.openxmlformats.org/drawingml/2006/main" xmlns:r="http://schemas.openxmlformats.org/officeDocument/2006/relationships" xmlns:p="http://schemas.openxmlformats.org/presentationml/2006/main">
+  <p:cSld>
+    <p:bg>
+      <p:bgPr>
+        <a:gradFill flip="none" rotWithShape="1">
+          <a:gsLst>
+            <a:gs pos="0">
+              <a:srgbClr val="21D4FD"/>
+            </a:gs>
+            <a:gs pos="92000">
+              <a:srgbClr val="B721FF"/>
+            </a:gs>
+          </a:gsLst>
+          <a:lin ang="8100000" scaled="1"/>
+          <a:tileRect/>
+        </a:gradFill>
+        <a:effectLst/>
+      </p:bgPr>
+    </p:bg>
+    <p:spTree>
+      <p:nvGrpSpPr>
+        <p:cNvPr id="1" name=""/>
+        <p:cNvGrpSpPr/>
+        <p:nvPr/>
+      </p:nvGrpSpPr>
+      <p:grpSpPr>
+        <a:xfrm>
+          <a:off x="0" y="0"/>
+          <a:ext cx="0" cy="0"/>
+          <a:chOff x="0" y="0"/>
+          <a:chExt cx="0" cy="0"/>
+        </a:xfrm>
+      </p:grpSpPr>
+      <p:pic>
+        <p:nvPicPr>
+          <p:cNvPr id="3" name="Picture 2">
+            <a:extLst>
+              <a:ext uri="{FF2B5EF4-FFF2-40B4-BE49-F238E27FC236}">
+                <a16:creationId xmlns:a16="http://schemas.microsoft.com/office/drawing/2014/main" id="{01ECDBDB-8773-587B-FD16-5BB45459ADA3}"/>
+              </a:ext>
+            </a:extLst>
+          </p:cNvPr>
+          <p:cNvPicPr>
+            <a:picLocks noChangeAspect="1"/>
+          </p:cNvPicPr>
+          <p:nvPr/>
+        </p:nvPicPr>
+        <p:blipFill>
+          <a:blip r:embed="rId2">
+            <a:extLst>
+              <a:ext uri="{28A0092B-C50C-407E-A947-70E740481C1C}">
+                <a14:useLocalDpi xmlns:a14="http://schemas.microsoft.com/office/drawing/2010/main" val="0"/>
+              </a:ext>
+            </a:extLst>
+          </a:blip>
+          <a:srcRect/>
+          <a:stretch/>
+        </p:blipFill>
+        <p:spPr>
+          <a:xfrm>
+            <a:off x="1096664" y="713127"/>
+            <a:ext cx="3694792" cy="5431745"/>
+          </a:xfrm>
+          <a:prstGeom prst="rect">
+            <a:avLst/>
+          </a:prstGeom>
+        </p:spPr>
+      </p:pic>
+      <p:sp>
+        <p:nvSpPr>
+          <p:cNvPr id="4" name="TextBox 3">
+            <a:extLst>
+              <a:ext uri="{FF2B5EF4-FFF2-40B4-BE49-F238E27FC236}">
+                <a16:creationId xmlns:a16="http://schemas.microsoft.com/office/drawing/2014/main" id="{752403B0-6FAB-D244-5348-F034813B8FB3}"/>
+              </a:ext>
+            </a:extLst>
+          </p:cNvPr>
+          <p:cNvSpPr txBox="1"/>
+          <p:nvPr/>
+        </p:nvSpPr>
+        <p:spPr>
+          <a:xfrm>
+            <a:off x="5577840" y="2048256"/>
+            <a:ext cx="3803904" cy="2246769"/>
+          </a:xfrm>
+          <a:prstGeom prst="rect">
+            <a:avLst/>
+          </a:prstGeom>
+          <a:noFill/>
+        </p:spPr>
+        <p:txBody>
+          <a:bodyPr wrap="square" rtlCol="0">
+            <a:spAutoFit/>
+          </a:bodyPr>
+          <a:lstStyle/>
+          <a:p>
+            <a:pPr marL="457200" indent="-457200">
+              <a:buFont typeface="Arial" panose="020B0604020202020204" pitchFamily="34" charset="0"/>
+              <a:buChar char="•"/>
+            </a:pPr>
+            <a:r>
+              <a:rPr lang="en-US" sz="2800" b="1">
+                <a:solidFill>
+                  <a:schemeClr val="bg1"/>
+                </a:solidFill>
+              </a:rPr>
+              <a:t>Hiển thị lịch để chọn cho ngày sinh</a:t>
+            </a:r>
+          </a:p>
+          <a:p>
+            <a:pPr marL="457200" indent="-457200">
+              <a:buFont typeface="Arial" panose="020B0604020202020204" pitchFamily="34" charset="0"/>
+              <a:buChar char="•"/>
+            </a:pPr>
+            <a:r>
+              <a:rPr lang="en-US" sz="2800" b="1">
+                <a:solidFill>
+                  <a:schemeClr val="bg1"/>
+                </a:solidFill>
+              </a:rPr>
+              <a:t>Dùng để tính tuổi</a:t>
+            </a:r>
+          </a:p>
+          <a:p>
+            <a:pPr marL="457200" indent="-457200">
+              <a:buFont typeface="Arial" panose="020B0604020202020204" pitchFamily="34" charset="0"/>
+              <a:buChar char="•"/>
+            </a:pPr>
+            <a:r>
+              <a:rPr lang="en-US" sz="2800" b="1">
+                <a:solidFill>
+                  <a:schemeClr val="bg1"/>
+                </a:solidFill>
+              </a:rPr>
+              <a:t>Dùng thư viện DatePickerDialog</a:t>
+            </a:r>
+          </a:p>
+        </p:txBody>
+      </p:sp>
+    </p:spTree>
+    <p:extLst>
+      <p:ext uri="{BB962C8B-B14F-4D97-AF65-F5344CB8AC3E}">
+        <p14:creationId xmlns:p14="http://schemas.microsoft.com/office/powerpoint/2010/main" val="4107127847"/>
+      </p:ext>
+    </p:extLst>
+  </p:cSld>
+  <p:clrMapOvr>
+    <a:masterClrMapping/>
+  </p:clrMapOvr>
+  <mc:AlternateContent xmlns:mc="http://schemas.openxmlformats.org/markup-compatibility/2006">
+    <mc:Choice xmlns:p159="http://schemas.microsoft.com/office/powerpoint/2015/09/main" Requires="p159">
+      <p:transition spd="slow">
+        <p159:morph option="byObject"/>
+      </p:transition>
+    </mc:Choice>
+    <mc:Fallback>
+      <p:transition spd="slow">
+        <p:fade/>
+      </p:transition>
+    </mc:Fallback>
+  </mc:AlternateContent>
+</p:sld>
+</file>
+
+<file path=ppt/slides/slide19.xml><?xml version="1.0" encoding="utf-8"?>
+<p:sld xmlns:a="http://schemas.openxmlformats.org/drawingml/2006/main" xmlns:r="http://schemas.openxmlformats.org/officeDocument/2006/relationships" xmlns:p="http://schemas.openxmlformats.org/presentationml/2006/main">
+  <p:cSld>
+    <p:bg>
+      <p:bgPr>
+        <a:gradFill flip="none" rotWithShape="1">
+          <a:gsLst>
+            <a:gs pos="0">
+              <a:srgbClr val="21D4FD"/>
+            </a:gs>
+            <a:gs pos="92000">
+              <a:srgbClr val="B721FF"/>
+            </a:gs>
+          </a:gsLst>
+          <a:lin ang="8100000" scaled="1"/>
+          <a:tileRect/>
+        </a:gradFill>
+        <a:effectLst/>
+      </p:bgPr>
+    </p:bg>
+    <p:spTree>
+      <p:nvGrpSpPr>
+        <p:cNvPr id="1" name=""/>
+        <p:cNvGrpSpPr/>
+        <p:nvPr/>
+      </p:nvGrpSpPr>
+      <p:grpSpPr>
+        <a:xfrm>
+          <a:off x="0" y="0"/>
+          <a:ext cx="0" cy="0"/>
+          <a:chOff x="0" y="0"/>
+          <a:chExt cx="0" cy="0"/>
+        </a:xfrm>
+      </p:grpSpPr>
+      <p:pic>
+        <p:nvPicPr>
+          <p:cNvPr id="3" name="Picture 2">
+            <a:extLst>
+              <a:ext uri="{FF2B5EF4-FFF2-40B4-BE49-F238E27FC236}">
+                <a16:creationId xmlns:a16="http://schemas.microsoft.com/office/drawing/2014/main" id="{01ECDBDB-8773-587B-FD16-5BB45459ADA3}"/>
+              </a:ext>
+            </a:extLst>
+          </p:cNvPr>
+          <p:cNvPicPr>
+            <a:picLocks noChangeAspect="1"/>
+          </p:cNvPicPr>
+          <p:nvPr/>
+        </p:nvPicPr>
+        <p:blipFill>
+          <a:blip r:embed="rId2">
+            <a:extLst>
+              <a:ext uri="{28A0092B-C50C-407E-A947-70E740481C1C}">
+                <a14:useLocalDpi xmlns:a14="http://schemas.microsoft.com/office/drawing/2010/main" val="0"/>
+              </a:ext>
+            </a:extLst>
+          </a:blip>
+          <a:srcRect/>
+          <a:stretch/>
+        </p:blipFill>
+        <p:spPr>
+          <a:xfrm>
+            <a:off x="617512" y="1242301"/>
+            <a:ext cx="5505304" cy="4158084"/>
+          </a:xfrm>
+          <a:prstGeom prst="rect">
+            <a:avLst/>
+          </a:prstGeom>
+        </p:spPr>
+      </p:pic>
+      <p:sp>
+        <p:nvSpPr>
+          <p:cNvPr id="4" name="TextBox 3">
+            <a:extLst>
+              <a:ext uri="{FF2B5EF4-FFF2-40B4-BE49-F238E27FC236}">
+                <a16:creationId xmlns:a16="http://schemas.microsoft.com/office/drawing/2014/main" id="{752403B0-6FAB-D244-5348-F034813B8FB3}"/>
+              </a:ext>
+            </a:extLst>
+          </p:cNvPr>
+          <p:cNvSpPr txBox="1"/>
+          <p:nvPr/>
+        </p:nvSpPr>
+        <p:spPr>
+          <a:xfrm>
+            <a:off x="7370064" y="2057400"/>
+            <a:ext cx="3803904" cy="1384995"/>
+          </a:xfrm>
+          <a:prstGeom prst="rect">
+            <a:avLst/>
+          </a:prstGeom>
+          <a:noFill/>
+        </p:spPr>
+        <p:txBody>
+          <a:bodyPr wrap="square" rtlCol="0">
+            <a:spAutoFit/>
+          </a:bodyPr>
+          <a:lstStyle/>
+          <a:p>
+            <a:pPr marL="457200" indent="-457200">
+              <a:buFont typeface="Arial" panose="020B0604020202020204" pitchFamily="34" charset="0"/>
+              <a:buChar char="•"/>
+            </a:pPr>
+            <a:r>
+              <a:rPr lang="en-US" sz="2800" b="1">
+                <a:solidFill>
+                  <a:schemeClr val="bg1"/>
+                </a:solidFill>
+              </a:rPr>
+              <a:t>Khi thêm thành công</a:t>
+            </a:r>
+          </a:p>
+          <a:p>
+            <a:pPr marL="457200" indent="-457200">
+              <a:buFont typeface="Arial" panose="020B0604020202020204" pitchFamily="34" charset="0"/>
+              <a:buChar char="•"/>
+            </a:pPr>
+            <a:r>
+              <a:rPr lang="en-US" sz="2800" b="1">
+                <a:solidFill>
+                  <a:schemeClr val="bg1"/>
+                </a:solidFill>
+              </a:rPr>
+              <a:t>Với MSNV sinh tự động</a:t>
+            </a:r>
+          </a:p>
+        </p:txBody>
+      </p:sp>
+    </p:spTree>
+    <p:extLst>
+      <p:ext uri="{BB962C8B-B14F-4D97-AF65-F5344CB8AC3E}">
+        <p14:creationId xmlns:p14="http://schemas.microsoft.com/office/powerpoint/2010/main" val="2901698447"/>
+      </p:ext>
+    </p:extLst>
+  </p:cSld>
+  <p:clrMapOvr>
+    <a:masterClrMapping/>
+  </p:clrMapOvr>
+  <mc:AlternateContent xmlns:mc="http://schemas.openxmlformats.org/markup-compatibility/2006">
+    <mc:Choice xmlns:p159="http://schemas.microsoft.com/office/powerpoint/2015/09/main" Requires="p159">
+      <p:transition spd="slow">
+        <p159:morph option="byObject"/>
+      </p:transition>
+    </mc:Choice>
+    <mc:Fallback>
+      <p:transition spd="slow">
+        <p:fade/>
+      </p:transition>
+    </mc:Fallback>
+  </mc:AlternateContent>
+</p:sld>
+</file>
+
 <file path=ppt/slides/slide2.xml><?xml version="1.0" encoding="utf-8"?>
 <p:sld xmlns:a="http://schemas.openxmlformats.org/drawingml/2006/main" xmlns:r="http://schemas.openxmlformats.org/officeDocument/2006/relationships" xmlns:p="http://schemas.openxmlformats.org/presentationml/2006/main">
   <p:cSld>

--- a/KTGK_63133615/KTGK_63133615.pptx
+++ b/KTGK_63133615/KTGK_63133615.pptx
@@ -24,6 +24,8 @@
     <p:sldId id="274" r:id="rId18"/>
     <p:sldId id="273" r:id="rId19"/>
     <p:sldId id="275" r:id="rId20"/>
+    <p:sldId id="276" r:id="rId21"/>
+    <p:sldId id="278" r:id="rId22"/>
   </p:sldIdLst>
   <p:sldSz cx="12192000" cy="6858000"/>
   <p:notesSz cx="6858000" cy="9144000"/>
@@ -279,7 +281,7 @@
           <a:p>
             <a:fld id="{BEB63FF6-9169-4DC8-9D4D-F5C32EAA2AE5}" type="datetimeFigureOut">
               <a:rPr lang="vi-VN" smtClean="0"/>
-              <a:t>25/03/2024</a:t>
+              <a:t>26/03/2024</a:t>
             </a:fld>
             <a:endParaRPr lang="vi-VN"/>
           </a:p>
@@ -491,7 +493,7 @@
           <a:p>
             <a:fld id="{BEB63FF6-9169-4DC8-9D4D-F5C32EAA2AE5}" type="datetimeFigureOut">
               <a:rPr lang="vi-VN" smtClean="0"/>
-              <a:t>25/03/2024</a:t>
+              <a:t>26/03/2024</a:t>
             </a:fld>
             <a:endParaRPr lang="vi-VN"/>
           </a:p>
@@ -713,7 +715,7 @@
           <a:p>
             <a:fld id="{BEB63FF6-9169-4DC8-9D4D-F5C32EAA2AE5}" type="datetimeFigureOut">
               <a:rPr lang="vi-VN" smtClean="0"/>
-              <a:t>25/03/2024</a:t>
+              <a:t>26/03/2024</a:t>
             </a:fld>
             <a:endParaRPr lang="vi-VN"/>
           </a:p>
@@ -925,7 +927,7 @@
           <a:p>
             <a:fld id="{BEB63FF6-9169-4DC8-9D4D-F5C32EAA2AE5}" type="datetimeFigureOut">
               <a:rPr lang="vi-VN" smtClean="0"/>
-              <a:t>25/03/2024</a:t>
+              <a:t>26/03/2024</a:t>
             </a:fld>
             <a:endParaRPr lang="vi-VN"/>
           </a:p>
@@ -1213,7 +1215,7 @@
           <a:p>
             <a:fld id="{BEB63FF6-9169-4DC8-9D4D-F5C32EAA2AE5}" type="datetimeFigureOut">
               <a:rPr lang="vi-VN" smtClean="0"/>
-              <a:t>25/03/2024</a:t>
+              <a:t>26/03/2024</a:t>
             </a:fld>
             <a:endParaRPr lang="vi-VN"/>
           </a:p>
@@ -1493,7 +1495,7 @@
           <a:p>
             <a:fld id="{BEB63FF6-9169-4DC8-9D4D-F5C32EAA2AE5}" type="datetimeFigureOut">
               <a:rPr lang="vi-VN" smtClean="0"/>
-              <a:t>25/03/2024</a:t>
+              <a:t>26/03/2024</a:t>
             </a:fld>
             <a:endParaRPr lang="vi-VN"/>
           </a:p>
@@ -1920,7 +1922,7 @@
           <a:p>
             <a:fld id="{BEB63FF6-9169-4DC8-9D4D-F5C32EAA2AE5}" type="datetimeFigureOut">
               <a:rPr lang="vi-VN" smtClean="0"/>
-              <a:t>25/03/2024</a:t>
+              <a:t>26/03/2024</a:t>
             </a:fld>
             <a:endParaRPr lang="vi-VN"/>
           </a:p>
@@ -2074,7 +2076,7 @@
           <a:p>
             <a:fld id="{BEB63FF6-9169-4DC8-9D4D-F5C32EAA2AE5}" type="datetimeFigureOut">
               <a:rPr lang="vi-VN" smtClean="0"/>
-              <a:t>25/03/2024</a:t>
+              <a:t>26/03/2024</a:t>
             </a:fld>
             <a:endParaRPr lang="vi-VN"/>
           </a:p>
@@ -2199,7 +2201,7 @@
           <a:p>
             <a:fld id="{BEB63FF6-9169-4DC8-9D4D-F5C32EAA2AE5}" type="datetimeFigureOut">
               <a:rPr lang="vi-VN" smtClean="0"/>
-              <a:t>25/03/2024</a:t>
+              <a:t>26/03/2024</a:t>
             </a:fld>
             <a:endParaRPr lang="vi-VN"/>
           </a:p>
@@ -2524,7 +2526,7 @@
           <a:p>
             <a:fld id="{BEB63FF6-9169-4DC8-9D4D-F5C32EAA2AE5}" type="datetimeFigureOut">
               <a:rPr lang="vi-VN" smtClean="0"/>
-              <a:t>25/03/2024</a:t>
+              <a:t>26/03/2024</a:t>
             </a:fld>
             <a:endParaRPr lang="vi-VN"/>
           </a:p>
@@ -2825,7 +2827,7 @@
           <a:p>
             <a:fld id="{BEB63FF6-9169-4DC8-9D4D-F5C32EAA2AE5}" type="datetimeFigureOut">
               <a:rPr lang="vi-VN" smtClean="0"/>
-              <a:t>25/03/2024</a:t>
+              <a:t>26/03/2024</a:t>
             </a:fld>
             <a:endParaRPr lang="vi-VN"/>
           </a:p>
@@ -3080,7 +3082,7 @@
           <a:p>
             <a:fld id="{BEB63FF6-9169-4DC8-9D4D-F5C32EAA2AE5}" type="datetimeFigureOut">
               <a:rPr lang="vi-VN" smtClean="0"/>
-              <a:t>25/03/2024</a:t>
+              <a:t>26/03/2024</a:t>
             </a:fld>
             <a:endParaRPr lang="vi-VN"/>
           </a:p>
@@ -4764,13 +4766,13 @@
   <p:clrMapOvr>
     <a:masterClrMapping/>
   </p:clrMapOvr>
-  <mc:AlternateContent xmlns:mc="http://schemas.openxmlformats.org/markup-compatibility/2006">
-    <mc:Choice xmlns:p159="http://schemas.microsoft.com/office/powerpoint/2015/09/main" Requires="p159">
+  <mc:AlternateContent xmlns:mc="http://schemas.openxmlformats.org/markup-compatibility/2006" xmlns:p159="http://schemas.microsoft.com/office/powerpoint/2015/09/main">
+    <mc:Choice Requires="p159">
       <p:transition spd="slow">
         <p159:morph option="byObject"/>
       </p:transition>
     </mc:Choice>
-    <mc:Fallback>
+    <mc:Fallback xmlns="">
       <p:transition spd="slow">
         <p:fade/>
       </p:transition>
@@ -4906,13 +4908,13 @@
   <p:clrMapOvr>
     <a:masterClrMapping/>
   </p:clrMapOvr>
-  <mc:AlternateContent xmlns:mc="http://schemas.openxmlformats.org/markup-compatibility/2006">
-    <mc:Choice xmlns:p159="http://schemas.microsoft.com/office/powerpoint/2015/09/main" Requires="p159">
+  <mc:AlternateContent xmlns:mc="http://schemas.openxmlformats.org/markup-compatibility/2006" xmlns:p159="http://schemas.microsoft.com/office/powerpoint/2015/09/main">
+    <mc:Choice Requires="p159">
       <p:transition spd="slow">
         <p159:morph option="byObject"/>
       </p:transition>
     </mc:Choice>
-    <mc:Fallback>
+    <mc:Fallback xmlns="">
       <p:transition spd="slow">
         <p:fade/>
       </p:transition>
@@ -5043,13 +5045,13 @@
   <p:clrMapOvr>
     <a:masterClrMapping/>
   </p:clrMapOvr>
-  <mc:AlternateContent xmlns:mc="http://schemas.openxmlformats.org/markup-compatibility/2006">
-    <mc:Choice xmlns:p159="http://schemas.microsoft.com/office/powerpoint/2015/09/main" Requires="p159">
+  <mc:AlternateContent xmlns:mc="http://schemas.openxmlformats.org/markup-compatibility/2006" xmlns:p159="http://schemas.microsoft.com/office/powerpoint/2015/09/main">
+    <mc:Choice Requires="p159">
       <p:transition spd="slow">
         <p159:morph option="byObject"/>
       </p:transition>
     </mc:Choice>
-    <mc:Fallback>
+    <mc:Fallback xmlns="">
       <p:transition spd="slow">
         <p:fade/>
       </p:transition>
@@ -5180,13 +5182,13 @@
   <p:clrMapOvr>
     <a:masterClrMapping/>
   </p:clrMapOvr>
-  <mc:AlternateContent xmlns:mc="http://schemas.openxmlformats.org/markup-compatibility/2006">
-    <mc:Choice xmlns:p159="http://schemas.microsoft.com/office/powerpoint/2015/09/main" Requires="p159">
+  <mc:AlternateContent xmlns:mc="http://schemas.openxmlformats.org/markup-compatibility/2006" xmlns:p159="http://schemas.microsoft.com/office/powerpoint/2015/09/main">
+    <mc:Choice Requires="p159">
       <p:transition spd="slow">
         <p159:morph option="byObject"/>
       </p:transition>
     </mc:Choice>
-    <mc:Fallback>
+    <mc:Fallback xmlns="">
       <p:transition spd="slow">
         <p:fade/>
       </p:transition>
@@ -5345,13 +5347,13 @@
   <p:clrMapOvr>
     <a:masterClrMapping/>
   </p:clrMapOvr>
-  <mc:AlternateContent xmlns:mc="http://schemas.openxmlformats.org/markup-compatibility/2006">
-    <mc:Choice xmlns:p159="http://schemas.microsoft.com/office/powerpoint/2015/09/main" Requires="p159">
+  <mc:AlternateContent xmlns:mc="http://schemas.openxmlformats.org/markup-compatibility/2006" xmlns:p159="http://schemas.microsoft.com/office/powerpoint/2015/09/main">
+    <mc:Choice Requires="p159">
       <p:transition spd="slow">
         <p159:morph option="byObject"/>
       </p:transition>
     </mc:Choice>
-    <mc:Fallback>
+    <mc:Fallback xmlns="">
       <p:transition spd="slow">
         <p:fade/>
       </p:transition>
@@ -5496,13 +5498,13 @@
   <p:clrMapOvr>
     <a:masterClrMapping/>
   </p:clrMapOvr>
-  <mc:AlternateContent xmlns:mc="http://schemas.openxmlformats.org/markup-compatibility/2006">
-    <mc:Choice xmlns:p159="http://schemas.microsoft.com/office/powerpoint/2015/09/main" Requires="p159">
+  <mc:AlternateContent xmlns:mc="http://schemas.openxmlformats.org/markup-compatibility/2006" xmlns:p159="http://schemas.microsoft.com/office/powerpoint/2015/09/main">
+    <mc:Choice Requires="p159">
       <p:transition spd="slow">
         <p159:morph option="byObject"/>
       </p:transition>
     </mc:Choice>
-    <mc:Fallback>
+    <mc:Fallback xmlns="">
       <p:transition spd="slow">
         <p:fade/>
       </p:transition>
@@ -5756,6 +5758,302 @@
       </p:transition>
     </mc:Choice>
     <mc:Fallback xmlns="">
+      <p:transition spd="slow">
+        <p:fade/>
+      </p:transition>
+    </mc:Fallback>
+  </mc:AlternateContent>
+</p:sld>
+</file>
+
+<file path=ppt/slides/slide20.xml><?xml version="1.0" encoding="utf-8"?>
+<p:sld xmlns:a="http://schemas.openxmlformats.org/drawingml/2006/main" xmlns:r="http://schemas.openxmlformats.org/officeDocument/2006/relationships" xmlns:p="http://schemas.openxmlformats.org/presentationml/2006/main">
+  <p:cSld>
+    <p:bg>
+      <p:bgPr>
+        <a:gradFill flip="none" rotWithShape="1">
+          <a:gsLst>
+            <a:gs pos="0">
+              <a:srgbClr val="21D4FD"/>
+            </a:gs>
+            <a:gs pos="92000">
+              <a:srgbClr val="B721FF"/>
+            </a:gs>
+          </a:gsLst>
+          <a:lin ang="2700000" scaled="1"/>
+          <a:tileRect/>
+        </a:gradFill>
+        <a:effectLst/>
+      </p:bgPr>
+    </p:bg>
+    <p:spTree>
+      <p:nvGrpSpPr>
+        <p:cNvPr id="1" name=""/>
+        <p:cNvGrpSpPr/>
+        <p:nvPr/>
+      </p:nvGrpSpPr>
+      <p:grpSpPr>
+        <a:xfrm>
+          <a:off x="0" y="0"/>
+          <a:ext cx="0" cy="0"/>
+          <a:chOff x="0" y="0"/>
+          <a:chExt cx="0" cy="0"/>
+        </a:xfrm>
+      </p:grpSpPr>
+      <p:sp>
+        <p:nvSpPr>
+          <p:cNvPr id="5" name="TextBox 4">
+            <a:extLst>
+              <a:ext uri="{FF2B5EF4-FFF2-40B4-BE49-F238E27FC236}">
+                <a16:creationId xmlns:a16="http://schemas.microsoft.com/office/drawing/2014/main" id="{007DE2D7-85C1-A80F-B2BB-F08AC46BAFDF}"/>
+              </a:ext>
+            </a:extLst>
+          </p:cNvPr>
+          <p:cNvSpPr txBox="1"/>
+          <p:nvPr/>
+        </p:nvSpPr>
+        <p:spPr>
+          <a:xfrm>
+            <a:off x="1051791" y="2908890"/>
+            <a:ext cx="3431310" cy="1446550"/>
+          </a:xfrm>
+          <a:prstGeom prst="rect">
+            <a:avLst/>
+          </a:prstGeom>
+          <a:noFill/>
+        </p:spPr>
+        <p:txBody>
+          <a:bodyPr wrap="square">
+            <a:spAutoFit/>
+          </a:bodyPr>
+          <a:lstStyle/>
+          <a:p>
+            <a:pPr indent="269875" algn="ctr">
+              <a:spcBef>
+                <a:spcPts val="600"/>
+              </a:spcBef>
+              <a:spcAft>
+                <a:spcPts val="1200"/>
+              </a:spcAft>
+            </a:pPr>
+            <a:r>
+              <a:rPr lang="en-US" sz="8800" b="1">
+                <a:solidFill>
+                  <a:schemeClr val="bg1"/>
+                </a:solidFill>
+                <a:effectLst/>
+                <a:latin typeface="Calibri" panose="020F0502020204030204" pitchFamily="34" charset="0"/>
+                <a:ea typeface="Calibri" panose="020F0502020204030204" pitchFamily="34" charset="0"/>
+                <a:cs typeface="Arial" panose="020B0604020202020204" pitchFamily="34" charset="0"/>
+              </a:rPr>
+              <a:t>Bài 3</a:t>
+            </a:r>
+            <a:endParaRPr lang="vi-VN" sz="8800" b="1">
+              <a:solidFill>
+                <a:schemeClr val="bg1"/>
+              </a:solidFill>
+              <a:effectLst/>
+              <a:latin typeface="Calibri" panose="020F0502020204030204" pitchFamily="34" charset="0"/>
+              <a:ea typeface="Calibri" panose="020F0502020204030204" pitchFamily="34" charset="0"/>
+              <a:cs typeface="Arial" panose="020B0604020202020204" pitchFamily="34" charset="0"/>
+            </a:endParaRPr>
+          </a:p>
+        </p:txBody>
+      </p:sp>
+      <p:sp>
+        <p:nvSpPr>
+          <p:cNvPr id="2" name="TextBox 1">
+            <a:extLst>
+              <a:ext uri="{FF2B5EF4-FFF2-40B4-BE49-F238E27FC236}">
+                <a16:creationId xmlns:a16="http://schemas.microsoft.com/office/drawing/2014/main" id="{EBB27306-D97C-B12C-81D0-C034D162C623}"/>
+              </a:ext>
+            </a:extLst>
+          </p:cNvPr>
+          <p:cNvSpPr txBox="1"/>
+          <p:nvPr/>
+        </p:nvSpPr>
+        <p:spPr>
+          <a:xfrm>
+            <a:off x="6756401" y="428178"/>
+            <a:ext cx="3431310" cy="6001643"/>
+          </a:xfrm>
+          <a:prstGeom prst="rect">
+            <a:avLst/>
+          </a:prstGeom>
+          <a:noFill/>
+        </p:spPr>
+        <p:txBody>
+          <a:bodyPr wrap="square">
+            <a:spAutoFit/>
+          </a:bodyPr>
+          <a:lstStyle/>
+          <a:p>
+            <a:pPr indent="269875" algn="ctr">
+              <a:spcBef>
+                <a:spcPts val="600"/>
+              </a:spcBef>
+              <a:spcAft>
+                <a:spcPts val="1200"/>
+              </a:spcAft>
+            </a:pPr>
+            <a:r>
+              <a:rPr lang="en-US" sz="9600" b="1">
+                <a:ln w="57150">
+                  <a:solidFill>
+                    <a:schemeClr val="bg1">
+                      <a:lumMod val="95000"/>
+                    </a:schemeClr>
+                  </a:solidFill>
+                </a:ln>
+                <a:noFill/>
+                <a:effectLst/>
+                <a:latin typeface="Calibri" panose="020F0502020204030204" pitchFamily="34" charset="0"/>
+                <a:ea typeface="Calibri" panose="020F0502020204030204" pitchFamily="34" charset="0"/>
+                <a:cs typeface="Arial" panose="020B0604020202020204" pitchFamily="34" charset="0"/>
+              </a:rPr>
+              <a:t>Giới thiệu </a:t>
+            </a:r>
+            <a:r>
+              <a:rPr lang="en-US" sz="9600" b="1">
+                <a:ln w="57150">
+                  <a:noFill/>
+                </a:ln>
+                <a:solidFill>
+                  <a:schemeClr val="bg1"/>
+                </a:solidFill>
+                <a:effectLst/>
+                <a:latin typeface="Calibri" panose="020F0502020204030204" pitchFamily="34" charset="0"/>
+                <a:ea typeface="Calibri" panose="020F0502020204030204" pitchFamily="34" charset="0"/>
+                <a:cs typeface="Arial" panose="020B0604020202020204" pitchFamily="34" charset="0"/>
+              </a:rPr>
+              <a:t>bản thân</a:t>
+            </a:r>
+            <a:endParaRPr lang="vi-VN" sz="9600" b="1">
+              <a:ln w="57150">
+                <a:noFill/>
+              </a:ln>
+              <a:solidFill>
+                <a:schemeClr val="bg1"/>
+              </a:solidFill>
+              <a:effectLst/>
+              <a:latin typeface="Calibri" panose="020F0502020204030204" pitchFamily="34" charset="0"/>
+              <a:ea typeface="Calibri" panose="020F0502020204030204" pitchFamily="34" charset="0"/>
+              <a:cs typeface="Arial" panose="020B0604020202020204" pitchFamily="34" charset="0"/>
+            </a:endParaRPr>
+          </a:p>
+        </p:txBody>
+      </p:sp>
+    </p:spTree>
+    <p:extLst>
+      <p:ext uri="{BB962C8B-B14F-4D97-AF65-F5344CB8AC3E}">
+        <p14:creationId xmlns:p14="http://schemas.microsoft.com/office/powerpoint/2010/main" val="357488933"/>
+      </p:ext>
+    </p:extLst>
+  </p:cSld>
+  <p:clrMapOvr>
+    <a:masterClrMapping/>
+  </p:clrMapOvr>
+  <mc:AlternateContent xmlns:mc="http://schemas.openxmlformats.org/markup-compatibility/2006">
+    <mc:Choice xmlns:p159="http://schemas.microsoft.com/office/powerpoint/2015/09/main" Requires="p159">
+      <p:transition spd="slow">
+        <p159:morph option="byObject"/>
+      </p:transition>
+    </mc:Choice>
+    <mc:Fallback>
+      <p:transition spd="slow">
+        <p:fade/>
+      </p:transition>
+    </mc:Fallback>
+  </mc:AlternateContent>
+</p:sld>
+</file>
+
+<file path=ppt/slides/slide21.xml><?xml version="1.0" encoding="utf-8"?>
+<p:sld xmlns:a="http://schemas.openxmlformats.org/drawingml/2006/main" xmlns:r="http://schemas.openxmlformats.org/officeDocument/2006/relationships" xmlns:p="http://schemas.openxmlformats.org/presentationml/2006/main">
+  <p:cSld>
+    <p:bg>
+      <p:bgPr>
+        <a:gradFill flip="none" rotWithShape="1">
+          <a:gsLst>
+            <a:gs pos="0">
+              <a:srgbClr val="21D4FD"/>
+            </a:gs>
+            <a:gs pos="92000">
+              <a:srgbClr val="B721FF"/>
+            </a:gs>
+          </a:gsLst>
+          <a:lin ang="8100000" scaled="1"/>
+          <a:tileRect/>
+        </a:gradFill>
+        <a:effectLst/>
+      </p:bgPr>
+    </p:bg>
+    <p:spTree>
+      <p:nvGrpSpPr>
+        <p:cNvPr id="1" name=""/>
+        <p:cNvGrpSpPr/>
+        <p:nvPr/>
+      </p:nvGrpSpPr>
+      <p:grpSpPr>
+        <a:xfrm>
+          <a:off x="0" y="0"/>
+          <a:ext cx="0" cy="0"/>
+          <a:chOff x="0" y="0"/>
+          <a:chExt cx="0" cy="0"/>
+        </a:xfrm>
+      </p:grpSpPr>
+      <p:pic>
+        <p:nvPicPr>
+          <p:cNvPr id="3" name="Picture 2">
+            <a:extLst>
+              <a:ext uri="{FF2B5EF4-FFF2-40B4-BE49-F238E27FC236}">
+                <a16:creationId xmlns:a16="http://schemas.microsoft.com/office/drawing/2014/main" id="{01ECDBDB-8773-587B-FD16-5BB45459ADA3}"/>
+              </a:ext>
+            </a:extLst>
+          </p:cNvPr>
+          <p:cNvPicPr>
+            <a:picLocks noChangeAspect="1"/>
+          </p:cNvPicPr>
+          <p:nvPr/>
+        </p:nvPicPr>
+        <p:blipFill>
+          <a:blip r:embed="rId2">
+            <a:extLst>
+              <a:ext uri="{28A0092B-C50C-407E-A947-70E740481C1C}">
+                <a14:useLocalDpi xmlns:a14="http://schemas.microsoft.com/office/drawing/2010/main" val="0"/>
+              </a:ext>
+            </a:extLst>
+          </a:blip>
+          <a:srcRect/>
+          <a:stretch/>
+        </p:blipFill>
+        <p:spPr>
+          <a:xfrm>
+            <a:off x="4598815" y="319059"/>
+            <a:ext cx="2994369" cy="6023158"/>
+          </a:xfrm>
+          <a:prstGeom prst="rect">
+            <a:avLst/>
+          </a:prstGeom>
+        </p:spPr>
+      </p:pic>
+    </p:spTree>
+    <p:extLst>
+      <p:ext uri="{BB962C8B-B14F-4D97-AF65-F5344CB8AC3E}">
+        <p14:creationId xmlns:p14="http://schemas.microsoft.com/office/powerpoint/2010/main" val="4202358562"/>
+      </p:ext>
+    </p:extLst>
+  </p:cSld>
+  <p:clrMapOvr>
+    <a:masterClrMapping/>
+  </p:clrMapOvr>
+  <mc:AlternateContent xmlns:mc="http://schemas.openxmlformats.org/markup-compatibility/2006">
+    <mc:Choice xmlns:p159="http://schemas.microsoft.com/office/powerpoint/2015/09/main" Requires="p159">
+      <p:transition spd="slow">
+        <p159:morph option="byObject"/>
+      </p:transition>
+    </mc:Choice>
+    <mc:Fallback>
       <p:transition spd="slow">
         <p:fade/>
       </p:transition>
